--- a/Presentation.pptx
+++ b/Presentation.pptx
@@ -3,18 +3,19 @@
 <p:presentation xmlns:a="http://schemas.openxmlformats.org/drawingml/2006/main" xmlns:p="http://schemas.openxmlformats.org/presentationml/2006/main" xmlns:r="http://schemas.openxmlformats.org/officeDocument/2006/relationships" xmlns:p14="http://schemas.microsoft.com/office/powerpoint/2010/main" xmlns:p15="http://schemas.microsoft.com/office/powerpoint/2012/main" xmlns:mc="http://schemas.openxmlformats.org/markup-compatibility/2006">
   <p:sldMasterIdLst>
     <p:sldMasterId id="2147483648" r:id="rId2"/>
+    <p:sldMasterId id="2147483661" r:id="rId3"/>
   </p:sldMasterIdLst>
   <p:sldIdLst>
-    <p:sldId id="256" r:id="rId3"/>
-    <p:sldId id="257" r:id="rId4"/>
-    <p:sldId id="258" r:id="rId5"/>
-    <p:sldId id="259" r:id="rId6"/>
-    <p:sldId id="260" r:id="rId7"/>
-    <p:sldId id="261" r:id="rId8"/>
-    <p:sldId id="262" r:id="rId9"/>
-    <p:sldId id="263" r:id="rId10"/>
-    <p:sldId id="264" r:id="rId11"/>
-    <p:sldId id="265" r:id="rId12"/>
+    <p:sldId id="256" r:id="rId4"/>
+    <p:sldId id="257" r:id="rId5"/>
+    <p:sldId id="258" r:id="rId6"/>
+    <p:sldId id="259" r:id="rId7"/>
+    <p:sldId id="260" r:id="rId8"/>
+    <p:sldId id="261" r:id="rId9"/>
+    <p:sldId id="262" r:id="rId10"/>
+    <p:sldId id="263" r:id="rId11"/>
+    <p:sldId id="264" r:id="rId12"/>
+    <p:sldId id="265" r:id="rId13"/>
   </p:sldIdLst>
   <p:sldSz cx="10080625" cy="7559675"/>
   <p:notesSz cx="7559675" cy="10691812"/>
@@ -62,7 +63,7 @@
       </p:grpSpPr>
       <p:sp>
         <p:nvSpPr>
-          <p:cNvPr id="27" name="PlaceHolder 1"/>
+          <p:cNvPr id="24" name="PlaceHolder 1"/>
           <p:cNvSpPr>
             <a:spLocks noGrp="1"/>
           </p:cNvSpPr>
@@ -73,7 +74,7 @@
         <p:spPr>
           <a:xfrm>
             <a:off x="504000" y="576000"/>
-            <a:ext cx="7200000" cy="720000"/>
+            <a:ext cx="7199640" cy="719640"/>
           </a:xfrm>
           <a:prstGeom prst="rect">
             <a:avLst/>
@@ -82,15 +83,16 @@
         <p:txBody>
           <a:bodyPr lIns="0" rIns="0" tIns="0" bIns="0" anchor="ctr"/>
           <a:p>
-            <a:endParaRPr b="0" lang="sv-SE" sz="3600" spc="-1" strike="noStrike">
-              <a:latin typeface="Arial"/>
-            </a:endParaRPr>
-          </a:p>
-        </p:txBody>
-      </p:sp>
-      <p:sp>
-        <p:nvSpPr>
-          <p:cNvPr id="28" name="PlaceHolder 2"/>
+            <a:pPr algn="ctr"/>
+            <a:endParaRPr b="0" lang="sv-SE" sz="4400" spc="-1" strike="noStrike">
+              <a:latin typeface="Arial"/>
+            </a:endParaRPr>
+          </a:p>
+        </p:txBody>
+      </p:sp>
+      <p:sp>
+        <p:nvSpPr>
+          <p:cNvPr id="25" name="PlaceHolder 2"/>
           <p:cNvSpPr>
             <a:spLocks noGrp="1"/>
           </p:cNvSpPr>
@@ -101,7 +103,7 @@
         <p:spPr>
           <a:xfrm>
             <a:off x="504000" y="1800000"/>
-            <a:ext cx="9072000" cy="2091240"/>
+            <a:ext cx="9071640" cy="2090880"/>
           </a:xfrm>
           <a:prstGeom prst="rect">
             <a:avLst/>
@@ -112,15 +114,15 @@
             <a:normAutofit/>
           </a:bodyPr>
           <a:p>
-            <a:endParaRPr b="0" lang="sv-SE" sz="2600" spc="-1" strike="noStrike">
-              <a:latin typeface="Arial"/>
-            </a:endParaRPr>
-          </a:p>
-        </p:txBody>
-      </p:sp>
-      <p:sp>
-        <p:nvSpPr>
-          <p:cNvPr id="29" name="PlaceHolder 3"/>
+            <a:endParaRPr b="0" lang="sv-SE" sz="3200" spc="-1" strike="noStrike">
+              <a:latin typeface="Arial"/>
+            </a:endParaRPr>
+          </a:p>
+        </p:txBody>
+      </p:sp>
+      <p:sp>
+        <p:nvSpPr>
+          <p:cNvPr id="26" name="PlaceHolder 3"/>
           <p:cNvSpPr>
             <a:spLocks noGrp="1"/>
           </p:cNvSpPr>
@@ -130,8 +132,8 @@
         </p:nvSpPr>
         <p:spPr>
           <a:xfrm>
-            <a:off x="504000" y="4090320"/>
-            <a:ext cx="9072000" cy="2091240"/>
+            <a:off x="504000" y="4089960"/>
+            <a:ext cx="9071640" cy="2090880"/>
           </a:xfrm>
           <a:prstGeom prst="rect">
             <a:avLst/>
@@ -142,7 +144,7 @@
             <a:normAutofit/>
           </a:bodyPr>
           <a:p>
-            <a:endParaRPr b="0" lang="sv-SE" sz="2600" spc="-1" strike="noStrike">
+            <a:endParaRPr b="0" lang="sv-SE" sz="3200" spc="-1" strike="noStrike">
               <a:latin typeface="Arial"/>
             </a:endParaRPr>
           </a:p>
@@ -172,7 +174,7 @@
       </p:grpSpPr>
       <p:sp>
         <p:nvSpPr>
-          <p:cNvPr id="30" name="PlaceHolder 1"/>
+          <p:cNvPr id="27" name="PlaceHolder 1"/>
           <p:cNvSpPr>
             <a:spLocks noGrp="1"/>
           </p:cNvSpPr>
@@ -183,7 +185,7 @@
         <p:spPr>
           <a:xfrm>
             <a:off x="504000" y="576000"/>
-            <a:ext cx="7200000" cy="720000"/>
+            <a:ext cx="7199640" cy="719640"/>
           </a:xfrm>
           <a:prstGeom prst="rect">
             <a:avLst/>
@@ -192,15 +194,16 @@
         <p:txBody>
           <a:bodyPr lIns="0" rIns="0" tIns="0" bIns="0" anchor="ctr"/>
           <a:p>
-            <a:endParaRPr b="0" lang="sv-SE" sz="3600" spc="-1" strike="noStrike">
-              <a:latin typeface="Arial"/>
-            </a:endParaRPr>
-          </a:p>
-        </p:txBody>
-      </p:sp>
-      <p:sp>
-        <p:nvSpPr>
-          <p:cNvPr id="31" name="PlaceHolder 2"/>
+            <a:pPr algn="ctr"/>
+            <a:endParaRPr b="0" lang="sv-SE" sz="4400" spc="-1" strike="noStrike">
+              <a:latin typeface="Arial"/>
+            </a:endParaRPr>
+          </a:p>
+        </p:txBody>
+      </p:sp>
+      <p:sp>
+        <p:nvSpPr>
+          <p:cNvPr id="28" name="PlaceHolder 2"/>
           <p:cNvSpPr>
             <a:spLocks noGrp="1"/>
           </p:cNvSpPr>
@@ -211,7 +214,7 @@
         <p:spPr>
           <a:xfrm>
             <a:off x="504000" y="1800000"/>
-            <a:ext cx="4426920" cy="2091240"/>
+            <a:ext cx="4426920" cy="2090880"/>
           </a:xfrm>
           <a:prstGeom prst="rect">
             <a:avLst/>
@@ -222,15 +225,15 @@
             <a:normAutofit/>
           </a:bodyPr>
           <a:p>
-            <a:endParaRPr b="0" lang="sv-SE" sz="2600" spc="-1" strike="noStrike">
-              <a:latin typeface="Arial"/>
-            </a:endParaRPr>
-          </a:p>
-        </p:txBody>
-      </p:sp>
-      <p:sp>
-        <p:nvSpPr>
-          <p:cNvPr id="32" name="PlaceHolder 3"/>
+            <a:endParaRPr b="0" lang="sv-SE" sz="3200" spc="-1" strike="noStrike">
+              <a:latin typeface="Arial"/>
+            </a:endParaRPr>
+          </a:p>
+        </p:txBody>
+      </p:sp>
+      <p:sp>
+        <p:nvSpPr>
+          <p:cNvPr id="29" name="PlaceHolder 3"/>
           <p:cNvSpPr>
             <a:spLocks noGrp="1"/>
           </p:cNvSpPr>
@@ -241,7 +244,7 @@
         <p:spPr>
           <a:xfrm>
             <a:off x="5152680" y="1800000"/>
-            <a:ext cx="4426920" cy="2091240"/>
+            <a:ext cx="4426920" cy="2090880"/>
           </a:xfrm>
           <a:prstGeom prst="rect">
             <a:avLst/>
@@ -252,15 +255,15 @@
             <a:normAutofit/>
           </a:bodyPr>
           <a:p>
-            <a:endParaRPr b="0" lang="sv-SE" sz="2600" spc="-1" strike="noStrike">
-              <a:latin typeface="Arial"/>
-            </a:endParaRPr>
-          </a:p>
-        </p:txBody>
-      </p:sp>
-      <p:sp>
-        <p:nvSpPr>
-          <p:cNvPr id="33" name="PlaceHolder 4"/>
+            <a:endParaRPr b="0" lang="sv-SE" sz="3200" spc="-1" strike="noStrike">
+              <a:latin typeface="Arial"/>
+            </a:endParaRPr>
+          </a:p>
+        </p:txBody>
+      </p:sp>
+      <p:sp>
+        <p:nvSpPr>
+          <p:cNvPr id="30" name="PlaceHolder 4"/>
           <p:cNvSpPr>
             <a:spLocks noGrp="1"/>
           </p:cNvSpPr>
@@ -270,8 +273,8 @@
         </p:nvSpPr>
         <p:spPr>
           <a:xfrm>
-            <a:off x="504000" y="4090320"/>
-            <a:ext cx="4426920" cy="2091240"/>
+            <a:off x="504000" y="4089960"/>
+            <a:ext cx="4426920" cy="2090880"/>
           </a:xfrm>
           <a:prstGeom prst="rect">
             <a:avLst/>
@@ -282,15 +285,15 @@
             <a:normAutofit/>
           </a:bodyPr>
           <a:p>
-            <a:endParaRPr b="0" lang="sv-SE" sz="2600" spc="-1" strike="noStrike">
-              <a:latin typeface="Arial"/>
-            </a:endParaRPr>
-          </a:p>
-        </p:txBody>
-      </p:sp>
-      <p:sp>
-        <p:nvSpPr>
-          <p:cNvPr id="34" name="PlaceHolder 5"/>
+            <a:endParaRPr b="0" lang="sv-SE" sz="3200" spc="-1" strike="noStrike">
+              <a:latin typeface="Arial"/>
+            </a:endParaRPr>
+          </a:p>
+        </p:txBody>
+      </p:sp>
+      <p:sp>
+        <p:nvSpPr>
+          <p:cNvPr id="31" name="PlaceHolder 5"/>
           <p:cNvSpPr>
             <a:spLocks noGrp="1"/>
           </p:cNvSpPr>
@@ -300,8 +303,8 @@
         </p:nvSpPr>
         <p:spPr>
           <a:xfrm>
-            <a:off x="5152680" y="4090320"/>
-            <a:ext cx="4426920" cy="2091240"/>
+            <a:off x="5152680" y="4089960"/>
+            <a:ext cx="4426920" cy="2090880"/>
           </a:xfrm>
           <a:prstGeom prst="rect">
             <a:avLst/>
@@ -312,7 +315,7 @@
             <a:normAutofit/>
           </a:bodyPr>
           <a:p>
-            <a:endParaRPr b="0" lang="sv-SE" sz="2600" spc="-1" strike="noStrike">
+            <a:endParaRPr b="0" lang="sv-SE" sz="3200" spc="-1" strike="noStrike">
               <a:latin typeface="Arial"/>
             </a:endParaRPr>
           </a:p>
@@ -342,7 +345,7 @@
       </p:grpSpPr>
       <p:sp>
         <p:nvSpPr>
-          <p:cNvPr id="35" name="PlaceHolder 1"/>
+          <p:cNvPr id="32" name="PlaceHolder 1"/>
           <p:cNvSpPr>
             <a:spLocks noGrp="1"/>
           </p:cNvSpPr>
@@ -353,7 +356,7 @@
         <p:spPr>
           <a:xfrm>
             <a:off x="504000" y="576000"/>
-            <a:ext cx="7200000" cy="720000"/>
+            <a:ext cx="7199640" cy="719640"/>
           </a:xfrm>
           <a:prstGeom prst="rect">
             <a:avLst/>
@@ -362,15 +365,16 @@
         <p:txBody>
           <a:bodyPr lIns="0" rIns="0" tIns="0" bIns="0" anchor="ctr"/>
           <a:p>
-            <a:endParaRPr b="0" lang="sv-SE" sz="3600" spc="-1" strike="noStrike">
-              <a:latin typeface="Arial"/>
-            </a:endParaRPr>
-          </a:p>
-        </p:txBody>
-      </p:sp>
-      <p:sp>
-        <p:nvSpPr>
-          <p:cNvPr id="36" name="PlaceHolder 2"/>
+            <a:pPr algn="ctr"/>
+            <a:endParaRPr b="0" lang="sv-SE" sz="4400" spc="-1" strike="noStrike">
+              <a:latin typeface="Arial"/>
+            </a:endParaRPr>
+          </a:p>
+        </p:txBody>
+      </p:sp>
+      <p:sp>
+        <p:nvSpPr>
+          <p:cNvPr id="33" name="PlaceHolder 2"/>
           <p:cNvSpPr>
             <a:spLocks noGrp="1"/>
           </p:cNvSpPr>
@@ -381,7 +385,7 @@
         <p:spPr>
           <a:xfrm>
             <a:off x="504000" y="1800000"/>
-            <a:ext cx="2921040" cy="2091240"/>
+            <a:ext cx="2920680" cy="2090880"/>
           </a:xfrm>
           <a:prstGeom prst="rect">
             <a:avLst/>
@@ -392,15 +396,15 @@
             <a:normAutofit/>
           </a:bodyPr>
           <a:p>
-            <a:endParaRPr b="0" lang="sv-SE" sz="2600" spc="-1" strike="noStrike">
-              <a:latin typeface="Arial"/>
-            </a:endParaRPr>
-          </a:p>
-        </p:txBody>
-      </p:sp>
-      <p:sp>
-        <p:nvSpPr>
-          <p:cNvPr id="37" name="PlaceHolder 3"/>
+            <a:endParaRPr b="0" lang="sv-SE" sz="3200" spc="-1" strike="noStrike">
+              <a:latin typeface="Arial"/>
+            </a:endParaRPr>
+          </a:p>
+        </p:txBody>
+      </p:sp>
+      <p:sp>
+        <p:nvSpPr>
+          <p:cNvPr id="34" name="PlaceHolder 3"/>
           <p:cNvSpPr>
             <a:spLocks noGrp="1"/>
           </p:cNvSpPr>
@@ -410,8 +414,8 @@
         </p:nvSpPr>
         <p:spPr>
           <a:xfrm>
-            <a:off x="3571560" y="1800000"/>
-            <a:ext cx="2921040" cy="2091240"/>
+            <a:off x="3571200" y="1800000"/>
+            <a:ext cx="2920680" cy="2090880"/>
           </a:xfrm>
           <a:prstGeom prst="rect">
             <a:avLst/>
@@ -422,15 +426,15 @@
             <a:normAutofit/>
           </a:bodyPr>
           <a:p>
-            <a:endParaRPr b="0" lang="sv-SE" sz="2600" spc="-1" strike="noStrike">
-              <a:latin typeface="Arial"/>
-            </a:endParaRPr>
-          </a:p>
-        </p:txBody>
-      </p:sp>
-      <p:sp>
-        <p:nvSpPr>
-          <p:cNvPr id="38" name="PlaceHolder 4"/>
+            <a:endParaRPr b="0" lang="sv-SE" sz="3200" spc="-1" strike="noStrike">
+              <a:latin typeface="Arial"/>
+            </a:endParaRPr>
+          </a:p>
+        </p:txBody>
+      </p:sp>
+      <p:sp>
+        <p:nvSpPr>
+          <p:cNvPr id="35" name="PlaceHolder 4"/>
           <p:cNvSpPr>
             <a:spLocks noGrp="1"/>
           </p:cNvSpPr>
@@ -440,8 +444,8 @@
         </p:nvSpPr>
         <p:spPr>
           <a:xfrm>
-            <a:off x="6639120" y="1800000"/>
-            <a:ext cx="2921040" cy="2091240"/>
+            <a:off x="6638040" y="1800000"/>
+            <a:ext cx="2920680" cy="2090880"/>
           </a:xfrm>
           <a:prstGeom prst="rect">
             <a:avLst/>
@@ -452,15 +456,15 @@
             <a:normAutofit/>
           </a:bodyPr>
           <a:p>
-            <a:endParaRPr b="0" lang="sv-SE" sz="2600" spc="-1" strike="noStrike">
-              <a:latin typeface="Arial"/>
-            </a:endParaRPr>
-          </a:p>
-        </p:txBody>
-      </p:sp>
-      <p:sp>
-        <p:nvSpPr>
-          <p:cNvPr id="39" name="PlaceHolder 5"/>
+            <a:endParaRPr b="0" lang="sv-SE" sz="3200" spc="-1" strike="noStrike">
+              <a:latin typeface="Arial"/>
+            </a:endParaRPr>
+          </a:p>
+        </p:txBody>
+      </p:sp>
+      <p:sp>
+        <p:nvSpPr>
+          <p:cNvPr id="36" name="PlaceHolder 5"/>
           <p:cNvSpPr>
             <a:spLocks noGrp="1"/>
           </p:cNvSpPr>
@@ -470,8 +474,8 @@
         </p:nvSpPr>
         <p:spPr>
           <a:xfrm>
-            <a:off x="504000" y="4090320"/>
-            <a:ext cx="2921040" cy="2091240"/>
+            <a:off x="504000" y="4089960"/>
+            <a:ext cx="2920680" cy="2090880"/>
           </a:xfrm>
           <a:prstGeom prst="rect">
             <a:avLst/>
@@ -482,15 +486,15 @@
             <a:normAutofit/>
           </a:bodyPr>
           <a:p>
-            <a:endParaRPr b="0" lang="sv-SE" sz="2600" spc="-1" strike="noStrike">
-              <a:latin typeface="Arial"/>
-            </a:endParaRPr>
-          </a:p>
-        </p:txBody>
-      </p:sp>
-      <p:sp>
-        <p:nvSpPr>
-          <p:cNvPr id="40" name="PlaceHolder 6"/>
+            <a:endParaRPr b="0" lang="sv-SE" sz="3200" spc="-1" strike="noStrike">
+              <a:latin typeface="Arial"/>
+            </a:endParaRPr>
+          </a:p>
+        </p:txBody>
+      </p:sp>
+      <p:sp>
+        <p:nvSpPr>
+          <p:cNvPr id="37" name="PlaceHolder 6"/>
           <p:cNvSpPr>
             <a:spLocks noGrp="1"/>
           </p:cNvSpPr>
@@ -500,8 +504,8 @@
         </p:nvSpPr>
         <p:spPr>
           <a:xfrm>
-            <a:off x="3571560" y="4090320"/>
-            <a:ext cx="2921040" cy="2091240"/>
+            <a:off x="3571200" y="4089960"/>
+            <a:ext cx="2920680" cy="2090880"/>
           </a:xfrm>
           <a:prstGeom prst="rect">
             <a:avLst/>
@@ -512,15 +516,15 @@
             <a:normAutofit/>
           </a:bodyPr>
           <a:p>
-            <a:endParaRPr b="0" lang="sv-SE" sz="2600" spc="-1" strike="noStrike">
-              <a:latin typeface="Arial"/>
-            </a:endParaRPr>
-          </a:p>
-        </p:txBody>
-      </p:sp>
-      <p:sp>
-        <p:nvSpPr>
-          <p:cNvPr id="41" name="PlaceHolder 7"/>
+            <a:endParaRPr b="0" lang="sv-SE" sz="3200" spc="-1" strike="noStrike">
+              <a:latin typeface="Arial"/>
+            </a:endParaRPr>
+          </a:p>
+        </p:txBody>
+      </p:sp>
+      <p:sp>
+        <p:nvSpPr>
+          <p:cNvPr id="38" name="PlaceHolder 7"/>
           <p:cNvSpPr>
             <a:spLocks noGrp="1"/>
           </p:cNvSpPr>
@@ -530,8 +534,8 @@
         </p:nvSpPr>
         <p:spPr>
           <a:xfrm>
-            <a:off x="6639120" y="4090320"/>
-            <a:ext cx="2921040" cy="2091240"/>
+            <a:off x="6638040" y="4089960"/>
+            <a:ext cx="2920680" cy="2090880"/>
           </a:xfrm>
           <a:prstGeom prst="rect">
             <a:avLst/>
@@ -542,7 +546,544 @@
             <a:normAutofit/>
           </a:bodyPr>
           <a:p>
-            <a:endParaRPr b="0" lang="sv-SE" sz="2600" spc="-1" strike="noStrike">
+            <a:endParaRPr b="0" lang="sv-SE" sz="3200" spc="-1" strike="noStrike">
+              <a:latin typeface="Arial"/>
+            </a:endParaRPr>
+          </a:p>
+        </p:txBody>
+      </p:sp>
+    </p:spTree>
+  </p:cSld>
+</p:sldLayout>
+</file>
+
+<file path=ppt/slideLayouts/slideLayout13.xml><?xml version="1.0" encoding="utf-8"?>
+<p:sldLayout xmlns:a="http://schemas.openxmlformats.org/drawingml/2006/main" xmlns:p="http://schemas.openxmlformats.org/presentationml/2006/main" xmlns:r="http://schemas.openxmlformats.org/officeDocument/2006/relationships" xmlns:p14="http://schemas.microsoft.com/office/powerpoint/2010/main" xmlns:p15="http://schemas.microsoft.com/office/powerpoint/2012/main" xmlns:mc="http://schemas.openxmlformats.org/markup-compatibility/2006" type="blank" preserve="1">
+  <p:cSld name="Blank Slide">
+    <p:spTree>
+      <p:nvGrpSpPr>
+        <p:cNvPr id="1" name=""/>
+        <p:cNvGrpSpPr/>
+        <p:nvPr/>
+      </p:nvGrpSpPr>
+      <p:grpSpPr>
+        <a:xfrm>
+          <a:off x="0" y="0"/>
+          <a:ext cx="0" cy="0"/>
+          <a:chOff x="0" y="0"/>
+          <a:chExt cx="0" cy="0"/>
+        </a:xfrm>
+      </p:grpSpPr>
+    </p:spTree>
+  </p:cSld>
+</p:sldLayout>
+</file>
+
+<file path=ppt/slideLayouts/slideLayout14.xml><?xml version="1.0" encoding="utf-8"?>
+<p:sldLayout xmlns:a="http://schemas.openxmlformats.org/drawingml/2006/main" xmlns:p="http://schemas.openxmlformats.org/presentationml/2006/main" xmlns:r="http://schemas.openxmlformats.org/officeDocument/2006/relationships" xmlns:p14="http://schemas.microsoft.com/office/powerpoint/2010/main" xmlns:p15="http://schemas.microsoft.com/office/powerpoint/2012/main" xmlns:mc="http://schemas.openxmlformats.org/markup-compatibility/2006" type="tx" preserve="1">
+  <p:cSld name="Title Slide">
+    <p:spTree>
+      <p:nvGrpSpPr>
+        <p:cNvPr id="1" name=""/>
+        <p:cNvGrpSpPr/>
+        <p:nvPr/>
+      </p:nvGrpSpPr>
+      <p:grpSpPr>
+        <a:xfrm>
+          <a:off x="0" y="0"/>
+          <a:ext cx="0" cy="0"/>
+          <a:chOff x="0" y="0"/>
+          <a:chExt cx="0" cy="0"/>
+        </a:xfrm>
+      </p:grpSpPr>
+      <p:sp>
+        <p:nvSpPr>
+          <p:cNvPr id="42" name="PlaceHolder 1"/>
+          <p:cNvSpPr>
+            <a:spLocks noGrp="1"/>
+          </p:cNvSpPr>
+          <p:nvPr>
+            <p:ph type="title"/>
+          </p:nvPr>
+        </p:nvSpPr>
+        <p:spPr>
+          <a:xfrm>
+            <a:off x="504000" y="576000"/>
+            <a:ext cx="7199640" cy="719640"/>
+          </a:xfrm>
+          <a:prstGeom prst="rect">
+            <a:avLst/>
+          </a:prstGeom>
+        </p:spPr>
+        <p:txBody>
+          <a:bodyPr lIns="0" rIns="0" tIns="0" bIns="0" anchor="ctr"/>
+          <a:p>
+            <a:pPr algn="ctr"/>
+            <a:endParaRPr b="0" lang="sv-SE" sz="4400" spc="-1" strike="noStrike">
+              <a:latin typeface="Arial"/>
+            </a:endParaRPr>
+          </a:p>
+        </p:txBody>
+      </p:sp>
+      <p:sp>
+        <p:nvSpPr>
+          <p:cNvPr id="43" name="PlaceHolder 2"/>
+          <p:cNvSpPr>
+            <a:spLocks noGrp="1"/>
+          </p:cNvSpPr>
+          <p:nvPr>
+            <p:ph type="subTitle"/>
+          </p:nvPr>
+        </p:nvSpPr>
+        <p:spPr>
+          <a:xfrm>
+            <a:off x="504000" y="1800000"/>
+            <a:ext cx="9071640" cy="4384080"/>
+          </a:xfrm>
+          <a:prstGeom prst="rect">
+            <a:avLst/>
+          </a:prstGeom>
+        </p:spPr>
+        <p:txBody>
+          <a:bodyPr lIns="0" rIns="0" tIns="0" bIns="0" anchor="ctr"/>
+          <a:p>
+            <a:pPr algn="ctr"/>
+            <a:endParaRPr b="0" lang="sv-SE" sz="3200" spc="-1" strike="noStrike">
+              <a:latin typeface="Arial"/>
+            </a:endParaRPr>
+          </a:p>
+        </p:txBody>
+      </p:sp>
+    </p:spTree>
+  </p:cSld>
+</p:sldLayout>
+</file>
+
+<file path=ppt/slideLayouts/slideLayout15.xml><?xml version="1.0" encoding="utf-8"?>
+<p:sldLayout xmlns:a="http://schemas.openxmlformats.org/drawingml/2006/main" xmlns:p="http://schemas.openxmlformats.org/presentationml/2006/main" xmlns:r="http://schemas.openxmlformats.org/officeDocument/2006/relationships" xmlns:p14="http://schemas.microsoft.com/office/powerpoint/2010/main" xmlns:p15="http://schemas.microsoft.com/office/powerpoint/2012/main" xmlns:mc="http://schemas.openxmlformats.org/markup-compatibility/2006" type="obj" preserve="1">
+  <p:cSld name="Title, Content">
+    <p:spTree>
+      <p:nvGrpSpPr>
+        <p:cNvPr id="1" name=""/>
+        <p:cNvGrpSpPr/>
+        <p:nvPr/>
+      </p:nvGrpSpPr>
+      <p:grpSpPr>
+        <a:xfrm>
+          <a:off x="0" y="0"/>
+          <a:ext cx="0" cy="0"/>
+          <a:chOff x="0" y="0"/>
+          <a:chExt cx="0" cy="0"/>
+        </a:xfrm>
+      </p:grpSpPr>
+      <p:sp>
+        <p:nvSpPr>
+          <p:cNvPr id="44" name="PlaceHolder 1"/>
+          <p:cNvSpPr>
+            <a:spLocks noGrp="1"/>
+          </p:cNvSpPr>
+          <p:nvPr>
+            <p:ph type="title"/>
+          </p:nvPr>
+        </p:nvSpPr>
+        <p:spPr>
+          <a:xfrm>
+            <a:off x="504000" y="576000"/>
+            <a:ext cx="7199640" cy="719640"/>
+          </a:xfrm>
+          <a:prstGeom prst="rect">
+            <a:avLst/>
+          </a:prstGeom>
+        </p:spPr>
+        <p:txBody>
+          <a:bodyPr lIns="0" rIns="0" tIns="0" bIns="0" anchor="ctr"/>
+          <a:p>
+            <a:pPr algn="ctr"/>
+            <a:endParaRPr b="0" lang="sv-SE" sz="4400" spc="-1" strike="noStrike">
+              <a:latin typeface="Arial"/>
+            </a:endParaRPr>
+          </a:p>
+        </p:txBody>
+      </p:sp>
+      <p:sp>
+        <p:nvSpPr>
+          <p:cNvPr id="45" name="PlaceHolder 2"/>
+          <p:cNvSpPr>
+            <a:spLocks noGrp="1"/>
+          </p:cNvSpPr>
+          <p:nvPr>
+            <p:ph type="body"/>
+          </p:nvPr>
+        </p:nvSpPr>
+        <p:spPr>
+          <a:xfrm>
+            <a:off x="504000" y="1800000"/>
+            <a:ext cx="9071640" cy="4384080"/>
+          </a:xfrm>
+          <a:prstGeom prst="rect">
+            <a:avLst/>
+          </a:prstGeom>
+        </p:spPr>
+        <p:txBody>
+          <a:bodyPr lIns="0" rIns="0" tIns="0" bIns="0">
+            <a:normAutofit/>
+          </a:bodyPr>
+          <a:p>
+            <a:endParaRPr b="0" lang="sv-SE" sz="3200" spc="-1" strike="noStrike">
+              <a:latin typeface="Arial"/>
+            </a:endParaRPr>
+          </a:p>
+        </p:txBody>
+      </p:sp>
+    </p:spTree>
+  </p:cSld>
+</p:sldLayout>
+</file>
+
+<file path=ppt/slideLayouts/slideLayout16.xml><?xml version="1.0" encoding="utf-8"?>
+<p:sldLayout xmlns:a="http://schemas.openxmlformats.org/drawingml/2006/main" xmlns:p="http://schemas.openxmlformats.org/presentationml/2006/main" xmlns:r="http://schemas.openxmlformats.org/officeDocument/2006/relationships" xmlns:p14="http://schemas.microsoft.com/office/powerpoint/2010/main" xmlns:p15="http://schemas.microsoft.com/office/powerpoint/2012/main" xmlns:mc="http://schemas.openxmlformats.org/markup-compatibility/2006" type="twoObj" preserve="1">
+  <p:cSld name="Title, 2 Content">
+    <p:spTree>
+      <p:nvGrpSpPr>
+        <p:cNvPr id="1" name=""/>
+        <p:cNvGrpSpPr/>
+        <p:nvPr/>
+      </p:nvGrpSpPr>
+      <p:grpSpPr>
+        <a:xfrm>
+          <a:off x="0" y="0"/>
+          <a:ext cx="0" cy="0"/>
+          <a:chOff x="0" y="0"/>
+          <a:chExt cx="0" cy="0"/>
+        </a:xfrm>
+      </p:grpSpPr>
+      <p:sp>
+        <p:nvSpPr>
+          <p:cNvPr id="46" name="PlaceHolder 1"/>
+          <p:cNvSpPr>
+            <a:spLocks noGrp="1"/>
+          </p:cNvSpPr>
+          <p:nvPr>
+            <p:ph type="title"/>
+          </p:nvPr>
+        </p:nvSpPr>
+        <p:spPr>
+          <a:xfrm>
+            <a:off x="504000" y="576000"/>
+            <a:ext cx="7199640" cy="719640"/>
+          </a:xfrm>
+          <a:prstGeom prst="rect">
+            <a:avLst/>
+          </a:prstGeom>
+        </p:spPr>
+        <p:txBody>
+          <a:bodyPr lIns="0" rIns="0" tIns="0" bIns="0" anchor="ctr"/>
+          <a:p>
+            <a:pPr algn="ctr"/>
+            <a:endParaRPr b="0" lang="sv-SE" sz="4400" spc="-1" strike="noStrike">
+              <a:latin typeface="Arial"/>
+            </a:endParaRPr>
+          </a:p>
+        </p:txBody>
+      </p:sp>
+      <p:sp>
+        <p:nvSpPr>
+          <p:cNvPr id="47" name="PlaceHolder 2"/>
+          <p:cNvSpPr>
+            <a:spLocks noGrp="1"/>
+          </p:cNvSpPr>
+          <p:nvPr>
+            <p:ph type="body"/>
+          </p:nvPr>
+        </p:nvSpPr>
+        <p:spPr>
+          <a:xfrm>
+            <a:off x="504000" y="1800000"/>
+            <a:ext cx="4426920" cy="4384080"/>
+          </a:xfrm>
+          <a:prstGeom prst="rect">
+            <a:avLst/>
+          </a:prstGeom>
+        </p:spPr>
+        <p:txBody>
+          <a:bodyPr lIns="0" rIns="0" tIns="0" bIns="0">
+            <a:normAutofit/>
+          </a:bodyPr>
+          <a:p>
+            <a:endParaRPr b="0" lang="sv-SE" sz="3200" spc="-1" strike="noStrike">
+              <a:latin typeface="Arial"/>
+            </a:endParaRPr>
+          </a:p>
+        </p:txBody>
+      </p:sp>
+      <p:sp>
+        <p:nvSpPr>
+          <p:cNvPr id="48" name="PlaceHolder 3"/>
+          <p:cNvSpPr>
+            <a:spLocks noGrp="1"/>
+          </p:cNvSpPr>
+          <p:nvPr>
+            <p:ph type="body"/>
+          </p:nvPr>
+        </p:nvSpPr>
+        <p:spPr>
+          <a:xfrm>
+            <a:off x="5152680" y="1800000"/>
+            <a:ext cx="4426920" cy="4384080"/>
+          </a:xfrm>
+          <a:prstGeom prst="rect">
+            <a:avLst/>
+          </a:prstGeom>
+        </p:spPr>
+        <p:txBody>
+          <a:bodyPr lIns="0" rIns="0" tIns="0" bIns="0">
+            <a:normAutofit/>
+          </a:bodyPr>
+          <a:p>
+            <a:endParaRPr b="0" lang="sv-SE" sz="3200" spc="-1" strike="noStrike">
+              <a:latin typeface="Arial"/>
+            </a:endParaRPr>
+          </a:p>
+        </p:txBody>
+      </p:sp>
+    </p:spTree>
+  </p:cSld>
+</p:sldLayout>
+</file>
+
+<file path=ppt/slideLayouts/slideLayout17.xml><?xml version="1.0" encoding="utf-8"?>
+<p:sldLayout xmlns:a="http://schemas.openxmlformats.org/drawingml/2006/main" xmlns:p="http://schemas.openxmlformats.org/presentationml/2006/main" xmlns:r="http://schemas.openxmlformats.org/officeDocument/2006/relationships" xmlns:p14="http://schemas.microsoft.com/office/powerpoint/2010/main" xmlns:p15="http://schemas.microsoft.com/office/powerpoint/2012/main" xmlns:mc="http://schemas.openxmlformats.org/markup-compatibility/2006" type="titleOnly" preserve="1">
+  <p:cSld name="Title Only">
+    <p:spTree>
+      <p:nvGrpSpPr>
+        <p:cNvPr id="1" name=""/>
+        <p:cNvGrpSpPr/>
+        <p:nvPr/>
+      </p:nvGrpSpPr>
+      <p:grpSpPr>
+        <a:xfrm>
+          <a:off x="0" y="0"/>
+          <a:ext cx="0" cy="0"/>
+          <a:chOff x="0" y="0"/>
+          <a:chExt cx="0" cy="0"/>
+        </a:xfrm>
+      </p:grpSpPr>
+      <p:sp>
+        <p:nvSpPr>
+          <p:cNvPr id="49" name="PlaceHolder 1"/>
+          <p:cNvSpPr>
+            <a:spLocks noGrp="1"/>
+          </p:cNvSpPr>
+          <p:nvPr>
+            <p:ph type="title"/>
+          </p:nvPr>
+        </p:nvSpPr>
+        <p:spPr>
+          <a:xfrm>
+            <a:off x="504000" y="576000"/>
+            <a:ext cx="7199640" cy="719640"/>
+          </a:xfrm>
+          <a:prstGeom prst="rect">
+            <a:avLst/>
+          </a:prstGeom>
+        </p:spPr>
+        <p:txBody>
+          <a:bodyPr lIns="0" rIns="0" tIns="0" bIns="0" anchor="ctr"/>
+          <a:p>
+            <a:pPr algn="ctr"/>
+            <a:endParaRPr b="0" lang="sv-SE" sz="4400" spc="-1" strike="noStrike">
+              <a:latin typeface="Arial"/>
+            </a:endParaRPr>
+          </a:p>
+        </p:txBody>
+      </p:sp>
+    </p:spTree>
+  </p:cSld>
+</p:sldLayout>
+</file>
+
+<file path=ppt/slideLayouts/slideLayout18.xml><?xml version="1.0" encoding="utf-8"?>
+<p:sldLayout xmlns:a="http://schemas.openxmlformats.org/drawingml/2006/main" xmlns:p="http://schemas.openxmlformats.org/presentationml/2006/main" xmlns:r="http://schemas.openxmlformats.org/officeDocument/2006/relationships" xmlns:p14="http://schemas.microsoft.com/office/powerpoint/2010/main" xmlns:p15="http://schemas.microsoft.com/office/powerpoint/2012/main" xmlns:mc="http://schemas.openxmlformats.org/markup-compatibility/2006" type="objOnly" preserve="1">
+  <p:cSld name="Centered Text">
+    <p:spTree>
+      <p:nvGrpSpPr>
+        <p:cNvPr id="1" name=""/>
+        <p:cNvGrpSpPr/>
+        <p:nvPr/>
+      </p:nvGrpSpPr>
+      <p:grpSpPr>
+        <a:xfrm>
+          <a:off x="0" y="0"/>
+          <a:ext cx="0" cy="0"/>
+          <a:chOff x="0" y="0"/>
+          <a:chExt cx="0" cy="0"/>
+        </a:xfrm>
+      </p:grpSpPr>
+      <p:sp>
+        <p:nvSpPr>
+          <p:cNvPr id="50" name="PlaceHolder 1"/>
+          <p:cNvSpPr>
+            <a:spLocks noGrp="1"/>
+          </p:cNvSpPr>
+          <p:nvPr>
+            <p:ph type="subTitle"/>
+          </p:nvPr>
+        </p:nvSpPr>
+        <p:spPr>
+          <a:xfrm>
+            <a:off x="504000" y="576000"/>
+            <a:ext cx="7199640" cy="3337200"/>
+          </a:xfrm>
+          <a:prstGeom prst="rect">
+            <a:avLst/>
+          </a:prstGeom>
+        </p:spPr>
+        <p:txBody>
+          <a:bodyPr lIns="0" rIns="0" tIns="0" bIns="0" anchor="ctr"/>
+          <a:p>
+            <a:pPr algn="ctr"/>
+            <a:endParaRPr b="0" lang="sv-SE" sz="3200" spc="-1" strike="noStrike">
+              <a:latin typeface="Arial"/>
+            </a:endParaRPr>
+          </a:p>
+        </p:txBody>
+      </p:sp>
+    </p:spTree>
+  </p:cSld>
+</p:sldLayout>
+</file>
+
+<file path=ppt/slideLayouts/slideLayout19.xml><?xml version="1.0" encoding="utf-8"?>
+<p:sldLayout xmlns:a="http://schemas.openxmlformats.org/drawingml/2006/main" xmlns:p="http://schemas.openxmlformats.org/presentationml/2006/main" xmlns:r="http://schemas.openxmlformats.org/officeDocument/2006/relationships" xmlns:p14="http://schemas.microsoft.com/office/powerpoint/2010/main" xmlns:p15="http://schemas.microsoft.com/office/powerpoint/2012/main" xmlns:mc="http://schemas.openxmlformats.org/markup-compatibility/2006" type="twoObjAndObj" preserve="1">
+  <p:cSld name="Title, 2 Content and Content">
+    <p:spTree>
+      <p:nvGrpSpPr>
+        <p:cNvPr id="1" name=""/>
+        <p:cNvGrpSpPr/>
+        <p:nvPr/>
+      </p:nvGrpSpPr>
+      <p:grpSpPr>
+        <a:xfrm>
+          <a:off x="0" y="0"/>
+          <a:ext cx="0" cy="0"/>
+          <a:chOff x="0" y="0"/>
+          <a:chExt cx="0" cy="0"/>
+        </a:xfrm>
+      </p:grpSpPr>
+      <p:sp>
+        <p:nvSpPr>
+          <p:cNvPr id="51" name="PlaceHolder 1"/>
+          <p:cNvSpPr>
+            <a:spLocks noGrp="1"/>
+          </p:cNvSpPr>
+          <p:nvPr>
+            <p:ph type="title"/>
+          </p:nvPr>
+        </p:nvSpPr>
+        <p:spPr>
+          <a:xfrm>
+            <a:off x="504000" y="576000"/>
+            <a:ext cx="7199640" cy="719640"/>
+          </a:xfrm>
+          <a:prstGeom prst="rect">
+            <a:avLst/>
+          </a:prstGeom>
+        </p:spPr>
+        <p:txBody>
+          <a:bodyPr lIns="0" rIns="0" tIns="0" bIns="0" anchor="ctr"/>
+          <a:p>
+            <a:pPr algn="ctr"/>
+            <a:endParaRPr b="0" lang="sv-SE" sz="4400" spc="-1" strike="noStrike">
+              <a:latin typeface="Arial"/>
+            </a:endParaRPr>
+          </a:p>
+        </p:txBody>
+      </p:sp>
+      <p:sp>
+        <p:nvSpPr>
+          <p:cNvPr id="52" name="PlaceHolder 2"/>
+          <p:cNvSpPr>
+            <a:spLocks noGrp="1"/>
+          </p:cNvSpPr>
+          <p:nvPr>
+            <p:ph type="body"/>
+          </p:nvPr>
+        </p:nvSpPr>
+        <p:spPr>
+          <a:xfrm>
+            <a:off x="504000" y="1800000"/>
+            <a:ext cx="4426920" cy="2090880"/>
+          </a:xfrm>
+          <a:prstGeom prst="rect">
+            <a:avLst/>
+          </a:prstGeom>
+        </p:spPr>
+        <p:txBody>
+          <a:bodyPr lIns="0" rIns="0" tIns="0" bIns="0">
+            <a:normAutofit/>
+          </a:bodyPr>
+          <a:p>
+            <a:endParaRPr b="0" lang="sv-SE" sz="3200" spc="-1" strike="noStrike">
+              <a:latin typeface="Arial"/>
+            </a:endParaRPr>
+          </a:p>
+        </p:txBody>
+      </p:sp>
+      <p:sp>
+        <p:nvSpPr>
+          <p:cNvPr id="53" name="PlaceHolder 3"/>
+          <p:cNvSpPr>
+            <a:spLocks noGrp="1"/>
+          </p:cNvSpPr>
+          <p:nvPr>
+            <p:ph type="body"/>
+          </p:nvPr>
+        </p:nvSpPr>
+        <p:spPr>
+          <a:xfrm>
+            <a:off x="5152680" y="1800000"/>
+            <a:ext cx="4426920" cy="4384080"/>
+          </a:xfrm>
+          <a:prstGeom prst="rect">
+            <a:avLst/>
+          </a:prstGeom>
+        </p:spPr>
+        <p:txBody>
+          <a:bodyPr lIns="0" rIns="0" tIns="0" bIns="0">
+            <a:normAutofit/>
+          </a:bodyPr>
+          <a:p>
+            <a:endParaRPr b="0" lang="sv-SE" sz="3200" spc="-1" strike="noStrike">
+              <a:latin typeface="Arial"/>
+            </a:endParaRPr>
+          </a:p>
+        </p:txBody>
+      </p:sp>
+      <p:sp>
+        <p:nvSpPr>
+          <p:cNvPr id="54" name="PlaceHolder 4"/>
+          <p:cNvSpPr>
+            <a:spLocks noGrp="1"/>
+          </p:cNvSpPr>
+          <p:nvPr>
+            <p:ph type="body"/>
+          </p:nvPr>
+        </p:nvSpPr>
+        <p:spPr>
+          <a:xfrm>
+            <a:off x="504000" y="4089960"/>
+            <a:ext cx="4426920" cy="2090880"/>
+          </a:xfrm>
+          <a:prstGeom prst="rect">
+            <a:avLst/>
+          </a:prstGeom>
+        </p:spPr>
+        <p:txBody>
+          <a:bodyPr lIns="0" rIns="0" tIns="0" bIns="0">
+            <a:normAutofit/>
+          </a:bodyPr>
+          <a:p>
+            <a:endParaRPr b="0" lang="sv-SE" sz="3200" spc="-1" strike="noStrike">
               <a:latin typeface="Arial"/>
             </a:endParaRPr>
           </a:p>
@@ -572,7 +1113,7 @@
       </p:grpSpPr>
       <p:sp>
         <p:nvSpPr>
-          <p:cNvPr id="6" name="PlaceHolder 1"/>
+          <p:cNvPr id="3" name="PlaceHolder 1"/>
           <p:cNvSpPr>
             <a:spLocks noGrp="1"/>
           </p:cNvSpPr>
@@ -583,7 +1124,7 @@
         <p:spPr>
           <a:xfrm>
             <a:off x="504000" y="576000"/>
-            <a:ext cx="7200000" cy="720000"/>
+            <a:ext cx="7199640" cy="719640"/>
           </a:xfrm>
           <a:prstGeom prst="rect">
             <a:avLst/>
@@ -592,15 +1133,16 @@
         <p:txBody>
           <a:bodyPr lIns="0" rIns="0" tIns="0" bIns="0" anchor="ctr"/>
           <a:p>
-            <a:endParaRPr b="0" lang="sv-SE" sz="3600" spc="-1" strike="noStrike">
-              <a:latin typeface="Arial"/>
-            </a:endParaRPr>
-          </a:p>
-        </p:txBody>
-      </p:sp>
-      <p:sp>
-        <p:nvSpPr>
-          <p:cNvPr id="7" name="PlaceHolder 2"/>
+            <a:pPr algn="ctr"/>
+            <a:endParaRPr b="0" lang="sv-SE" sz="4400" spc="-1" strike="noStrike">
+              <a:latin typeface="Arial"/>
+            </a:endParaRPr>
+          </a:p>
+        </p:txBody>
+      </p:sp>
+      <p:sp>
+        <p:nvSpPr>
+          <p:cNvPr id="4" name="PlaceHolder 2"/>
           <p:cNvSpPr>
             <a:spLocks noGrp="1"/>
           </p:cNvSpPr>
@@ -611,7 +1153,7 @@
         <p:spPr>
           <a:xfrm>
             <a:off x="504000" y="1800000"/>
-            <a:ext cx="9072000" cy="4384440"/>
+            <a:ext cx="9071640" cy="4384080"/>
           </a:xfrm>
           <a:prstGeom prst="rect">
             <a:avLst/>
@@ -621,6 +1163,801 @@
           <a:bodyPr lIns="0" rIns="0" tIns="0" bIns="0" anchor="ctr"/>
           <a:p>
             <a:pPr algn="ctr"/>
+            <a:endParaRPr b="0" lang="sv-SE" sz="3200" spc="-1" strike="noStrike">
+              <a:latin typeface="Arial"/>
+            </a:endParaRPr>
+          </a:p>
+        </p:txBody>
+      </p:sp>
+    </p:spTree>
+  </p:cSld>
+</p:sldLayout>
+</file>
+
+<file path=ppt/slideLayouts/slideLayout20.xml><?xml version="1.0" encoding="utf-8"?>
+<p:sldLayout xmlns:a="http://schemas.openxmlformats.org/drawingml/2006/main" xmlns:p="http://schemas.openxmlformats.org/presentationml/2006/main" xmlns:r="http://schemas.openxmlformats.org/officeDocument/2006/relationships" xmlns:p14="http://schemas.microsoft.com/office/powerpoint/2010/main" xmlns:p15="http://schemas.microsoft.com/office/powerpoint/2012/main" xmlns:mc="http://schemas.openxmlformats.org/markup-compatibility/2006" type="objAndTwoObj" preserve="1">
+  <p:cSld name="Title Content and 2 Content">
+    <p:spTree>
+      <p:nvGrpSpPr>
+        <p:cNvPr id="1" name=""/>
+        <p:cNvGrpSpPr/>
+        <p:nvPr/>
+      </p:nvGrpSpPr>
+      <p:grpSpPr>
+        <a:xfrm>
+          <a:off x="0" y="0"/>
+          <a:ext cx="0" cy="0"/>
+          <a:chOff x="0" y="0"/>
+          <a:chExt cx="0" cy="0"/>
+        </a:xfrm>
+      </p:grpSpPr>
+      <p:sp>
+        <p:nvSpPr>
+          <p:cNvPr id="55" name="PlaceHolder 1"/>
+          <p:cNvSpPr>
+            <a:spLocks noGrp="1"/>
+          </p:cNvSpPr>
+          <p:nvPr>
+            <p:ph type="title"/>
+          </p:nvPr>
+        </p:nvSpPr>
+        <p:spPr>
+          <a:xfrm>
+            <a:off x="504000" y="576000"/>
+            <a:ext cx="7199640" cy="719640"/>
+          </a:xfrm>
+          <a:prstGeom prst="rect">
+            <a:avLst/>
+          </a:prstGeom>
+        </p:spPr>
+        <p:txBody>
+          <a:bodyPr lIns="0" rIns="0" tIns="0" bIns="0" anchor="ctr"/>
+          <a:p>
+            <a:pPr algn="ctr"/>
+            <a:endParaRPr b="0" lang="sv-SE" sz="4400" spc="-1" strike="noStrike">
+              <a:latin typeface="Arial"/>
+            </a:endParaRPr>
+          </a:p>
+        </p:txBody>
+      </p:sp>
+      <p:sp>
+        <p:nvSpPr>
+          <p:cNvPr id="56" name="PlaceHolder 2"/>
+          <p:cNvSpPr>
+            <a:spLocks noGrp="1"/>
+          </p:cNvSpPr>
+          <p:nvPr>
+            <p:ph type="body"/>
+          </p:nvPr>
+        </p:nvSpPr>
+        <p:spPr>
+          <a:xfrm>
+            <a:off x="504000" y="1800000"/>
+            <a:ext cx="4426920" cy="4384080"/>
+          </a:xfrm>
+          <a:prstGeom prst="rect">
+            <a:avLst/>
+          </a:prstGeom>
+        </p:spPr>
+        <p:txBody>
+          <a:bodyPr lIns="0" rIns="0" tIns="0" bIns="0">
+            <a:normAutofit/>
+          </a:bodyPr>
+          <a:p>
+            <a:endParaRPr b="0" lang="sv-SE" sz="3200" spc="-1" strike="noStrike">
+              <a:latin typeface="Arial"/>
+            </a:endParaRPr>
+          </a:p>
+        </p:txBody>
+      </p:sp>
+      <p:sp>
+        <p:nvSpPr>
+          <p:cNvPr id="57" name="PlaceHolder 3"/>
+          <p:cNvSpPr>
+            <a:spLocks noGrp="1"/>
+          </p:cNvSpPr>
+          <p:nvPr>
+            <p:ph type="body"/>
+          </p:nvPr>
+        </p:nvSpPr>
+        <p:spPr>
+          <a:xfrm>
+            <a:off x="5152680" y="1800000"/>
+            <a:ext cx="4426920" cy="2090880"/>
+          </a:xfrm>
+          <a:prstGeom prst="rect">
+            <a:avLst/>
+          </a:prstGeom>
+        </p:spPr>
+        <p:txBody>
+          <a:bodyPr lIns="0" rIns="0" tIns="0" bIns="0">
+            <a:normAutofit/>
+          </a:bodyPr>
+          <a:p>
+            <a:endParaRPr b="0" lang="sv-SE" sz="3200" spc="-1" strike="noStrike">
+              <a:latin typeface="Arial"/>
+            </a:endParaRPr>
+          </a:p>
+        </p:txBody>
+      </p:sp>
+      <p:sp>
+        <p:nvSpPr>
+          <p:cNvPr id="58" name="PlaceHolder 4"/>
+          <p:cNvSpPr>
+            <a:spLocks noGrp="1"/>
+          </p:cNvSpPr>
+          <p:nvPr>
+            <p:ph type="body"/>
+          </p:nvPr>
+        </p:nvSpPr>
+        <p:spPr>
+          <a:xfrm>
+            <a:off x="5152680" y="4089960"/>
+            <a:ext cx="4426920" cy="2090880"/>
+          </a:xfrm>
+          <a:prstGeom prst="rect">
+            <a:avLst/>
+          </a:prstGeom>
+        </p:spPr>
+        <p:txBody>
+          <a:bodyPr lIns="0" rIns="0" tIns="0" bIns="0">
+            <a:normAutofit/>
+          </a:bodyPr>
+          <a:p>
+            <a:endParaRPr b="0" lang="sv-SE" sz="3200" spc="-1" strike="noStrike">
+              <a:latin typeface="Arial"/>
+            </a:endParaRPr>
+          </a:p>
+        </p:txBody>
+      </p:sp>
+    </p:spTree>
+  </p:cSld>
+</p:sldLayout>
+</file>
+
+<file path=ppt/slideLayouts/slideLayout21.xml><?xml version="1.0" encoding="utf-8"?>
+<p:sldLayout xmlns:a="http://schemas.openxmlformats.org/drawingml/2006/main" xmlns:p="http://schemas.openxmlformats.org/presentationml/2006/main" xmlns:r="http://schemas.openxmlformats.org/officeDocument/2006/relationships" xmlns:p14="http://schemas.microsoft.com/office/powerpoint/2010/main" xmlns:p15="http://schemas.microsoft.com/office/powerpoint/2012/main" xmlns:mc="http://schemas.openxmlformats.org/markup-compatibility/2006" type="twoObjOverTx" preserve="1">
+  <p:cSld name="Title, 2 Content over Content">
+    <p:spTree>
+      <p:nvGrpSpPr>
+        <p:cNvPr id="1" name=""/>
+        <p:cNvGrpSpPr/>
+        <p:nvPr/>
+      </p:nvGrpSpPr>
+      <p:grpSpPr>
+        <a:xfrm>
+          <a:off x="0" y="0"/>
+          <a:ext cx="0" cy="0"/>
+          <a:chOff x="0" y="0"/>
+          <a:chExt cx="0" cy="0"/>
+        </a:xfrm>
+      </p:grpSpPr>
+      <p:sp>
+        <p:nvSpPr>
+          <p:cNvPr id="59" name="PlaceHolder 1"/>
+          <p:cNvSpPr>
+            <a:spLocks noGrp="1"/>
+          </p:cNvSpPr>
+          <p:nvPr>
+            <p:ph type="title"/>
+          </p:nvPr>
+        </p:nvSpPr>
+        <p:spPr>
+          <a:xfrm>
+            <a:off x="504000" y="576000"/>
+            <a:ext cx="7199640" cy="719640"/>
+          </a:xfrm>
+          <a:prstGeom prst="rect">
+            <a:avLst/>
+          </a:prstGeom>
+        </p:spPr>
+        <p:txBody>
+          <a:bodyPr lIns="0" rIns="0" tIns="0" bIns="0" anchor="ctr"/>
+          <a:p>
+            <a:pPr algn="ctr"/>
+            <a:endParaRPr b="0" lang="sv-SE" sz="4400" spc="-1" strike="noStrike">
+              <a:latin typeface="Arial"/>
+            </a:endParaRPr>
+          </a:p>
+        </p:txBody>
+      </p:sp>
+      <p:sp>
+        <p:nvSpPr>
+          <p:cNvPr id="60" name="PlaceHolder 2"/>
+          <p:cNvSpPr>
+            <a:spLocks noGrp="1"/>
+          </p:cNvSpPr>
+          <p:nvPr>
+            <p:ph type="body"/>
+          </p:nvPr>
+        </p:nvSpPr>
+        <p:spPr>
+          <a:xfrm>
+            <a:off x="504000" y="1800000"/>
+            <a:ext cx="4426920" cy="2090880"/>
+          </a:xfrm>
+          <a:prstGeom prst="rect">
+            <a:avLst/>
+          </a:prstGeom>
+        </p:spPr>
+        <p:txBody>
+          <a:bodyPr lIns="0" rIns="0" tIns="0" bIns="0">
+            <a:normAutofit/>
+          </a:bodyPr>
+          <a:p>
+            <a:endParaRPr b="0" lang="sv-SE" sz="3200" spc="-1" strike="noStrike">
+              <a:latin typeface="Arial"/>
+            </a:endParaRPr>
+          </a:p>
+        </p:txBody>
+      </p:sp>
+      <p:sp>
+        <p:nvSpPr>
+          <p:cNvPr id="61" name="PlaceHolder 3"/>
+          <p:cNvSpPr>
+            <a:spLocks noGrp="1"/>
+          </p:cNvSpPr>
+          <p:nvPr>
+            <p:ph type="body"/>
+          </p:nvPr>
+        </p:nvSpPr>
+        <p:spPr>
+          <a:xfrm>
+            <a:off x="5152680" y="1800000"/>
+            <a:ext cx="4426920" cy="2090880"/>
+          </a:xfrm>
+          <a:prstGeom prst="rect">
+            <a:avLst/>
+          </a:prstGeom>
+        </p:spPr>
+        <p:txBody>
+          <a:bodyPr lIns="0" rIns="0" tIns="0" bIns="0">
+            <a:normAutofit/>
+          </a:bodyPr>
+          <a:p>
+            <a:endParaRPr b="0" lang="sv-SE" sz="3200" spc="-1" strike="noStrike">
+              <a:latin typeface="Arial"/>
+            </a:endParaRPr>
+          </a:p>
+        </p:txBody>
+      </p:sp>
+      <p:sp>
+        <p:nvSpPr>
+          <p:cNvPr id="62" name="PlaceHolder 4"/>
+          <p:cNvSpPr>
+            <a:spLocks noGrp="1"/>
+          </p:cNvSpPr>
+          <p:nvPr>
+            <p:ph type="body"/>
+          </p:nvPr>
+        </p:nvSpPr>
+        <p:spPr>
+          <a:xfrm>
+            <a:off x="504000" y="4089960"/>
+            <a:ext cx="9071640" cy="2090880"/>
+          </a:xfrm>
+          <a:prstGeom prst="rect">
+            <a:avLst/>
+          </a:prstGeom>
+        </p:spPr>
+        <p:txBody>
+          <a:bodyPr lIns="0" rIns="0" tIns="0" bIns="0">
+            <a:normAutofit/>
+          </a:bodyPr>
+          <a:p>
+            <a:endParaRPr b="0" lang="sv-SE" sz="3200" spc="-1" strike="noStrike">
+              <a:latin typeface="Arial"/>
+            </a:endParaRPr>
+          </a:p>
+        </p:txBody>
+      </p:sp>
+    </p:spTree>
+  </p:cSld>
+</p:sldLayout>
+</file>
+
+<file path=ppt/slideLayouts/slideLayout22.xml><?xml version="1.0" encoding="utf-8"?>
+<p:sldLayout xmlns:a="http://schemas.openxmlformats.org/drawingml/2006/main" xmlns:p="http://schemas.openxmlformats.org/presentationml/2006/main" xmlns:r="http://schemas.openxmlformats.org/officeDocument/2006/relationships" xmlns:p14="http://schemas.microsoft.com/office/powerpoint/2010/main" xmlns:p15="http://schemas.microsoft.com/office/powerpoint/2012/main" xmlns:mc="http://schemas.openxmlformats.org/markup-compatibility/2006" type="objOverTx" preserve="1">
+  <p:cSld name="Title, Content over Content">
+    <p:spTree>
+      <p:nvGrpSpPr>
+        <p:cNvPr id="1" name=""/>
+        <p:cNvGrpSpPr/>
+        <p:nvPr/>
+      </p:nvGrpSpPr>
+      <p:grpSpPr>
+        <a:xfrm>
+          <a:off x="0" y="0"/>
+          <a:ext cx="0" cy="0"/>
+          <a:chOff x="0" y="0"/>
+          <a:chExt cx="0" cy="0"/>
+        </a:xfrm>
+      </p:grpSpPr>
+      <p:sp>
+        <p:nvSpPr>
+          <p:cNvPr id="63" name="PlaceHolder 1"/>
+          <p:cNvSpPr>
+            <a:spLocks noGrp="1"/>
+          </p:cNvSpPr>
+          <p:nvPr>
+            <p:ph type="title"/>
+          </p:nvPr>
+        </p:nvSpPr>
+        <p:spPr>
+          <a:xfrm>
+            <a:off x="504000" y="576000"/>
+            <a:ext cx="7199640" cy="719640"/>
+          </a:xfrm>
+          <a:prstGeom prst="rect">
+            <a:avLst/>
+          </a:prstGeom>
+        </p:spPr>
+        <p:txBody>
+          <a:bodyPr lIns="0" rIns="0" tIns="0" bIns="0" anchor="ctr"/>
+          <a:p>
+            <a:pPr algn="ctr"/>
+            <a:endParaRPr b="0" lang="sv-SE" sz="4400" spc="-1" strike="noStrike">
+              <a:latin typeface="Arial"/>
+            </a:endParaRPr>
+          </a:p>
+        </p:txBody>
+      </p:sp>
+      <p:sp>
+        <p:nvSpPr>
+          <p:cNvPr id="64" name="PlaceHolder 2"/>
+          <p:cNvSpPr>
+            <a:spLocks noGrp="1"/>
+          </p:cNvSpPr>
+          <p:nvPr>
+            <p:ph type="body"/>
+          </p:nvPr>
+        </p:nvSpPr>
+        <p:spPr>
+          <a:xfrm>
+            <a:off x="504000" y="1800000"/>
+            <a:ext cx="9071640" cy="2090880"/>
+          </a:xfrm>
+          <a:prstGeom prst="rect">
+            <a:avLst/>
+          </a:prstGeom>
+        </p:spPr>
+        <p:txBody>
+          <a:bodyPr lIns="0" rIns="0" tIns="0" bIns="0">
+            <a:normAutofit/>
+          </a:bodyPr>
+          <a:p>
+            <a:endParaRPr b="0" lang="sv-SE" sz="3200" spc="-1" strike="noStrike">
+              <a:latin typeface="Arial"/>
+            </a:endParaRPr>
+          </a:p>
+        </p:txBody>
+      </p:sp>
+      <p:sp>
+        <p:nvSpPr>
+          <p:cNvPr id="65" name="PlaceHolder 3"/>
+          <p:cNvSpPr>
+            <a:spLocks noGrp="1"/>
+          </p:cNvSpPr>
+          <p:nvPr>
+            <p:ph type="body"/>
+          </p:nvPr>
+        </p:nvSpPr>
+        <p:spPr>
+          <a:xfrm>
+            <a:off x="504000" y="4089960"/>
+            <a:ext cx="9071640" cy="2090880"/>
+          </a:xfrm>
+          <a:prstGeom prst="rect">
+            <a:avLst/>
+          </a:prstGeom>
+        </p:spPr>
+        <p:txBody>
+          <a:bodyPr lIns="0" rIns="0" tIns="0" bIns="0">
+            <a:normAutofit/>
+          </a:bodyPr>
+          <a:p>
+            <a:endParaRPr b="0" lang="sv-SE" sz="3200" spc="-1" strike="noStrike">
+              <a:latin typeface="Arial"/>
+            </a:endParaRPr>
+          </a:p>
+        </p:txBody>
+      </p:sp>
+    </p:spTree>
+  </p:cSld>
+</p:sldLayout>
+</file>
+
+<file path=ppt/slideLayouts/slideLayout23.xml><?xml version="1.0" encoding="utf-8"?>
+<p:sldLayout xmlns:a="http://schemas.openxmlformats.org/drawingml/2006/main" xmlns:p="http://schemas.openxmlformats.org/presentationml/2006/main" xmlns:r="http://schemas.openxmlformats.org/officeDocument/2006/relationships" xmlns:p14="http://schemas.microsoft.com/office/powerpoint/2010/main" xmlns:p15="http://schemas.microsoft.com/office/powerpoint/2012/main" xmlns:mc="http://schemas.openxmlformats.org/markup-compatibility/2006" type="fourObj" preserve="1">
+  <p:cSld name="Title, 4 Content">
+    <p:spTree>
+      <p:nvGrpSpPr>
+        <p:cNvPr id="1" name=""/>
+        <p:cNvGrpSpPr/>
+        <p:nvPr/>
+      </p:nvGrpSpPr>
+      <p:grpSpPr>
+        <a:xfrm>
+          <a:off x="0" y="0"/>
+          <a:ext cx="0" cy="0"/>
+          <a:chOff x="0" y="0"/>
+          <a:chExt cx="0" cy="0"/>
+        </a:xfrm>
+      </p:grpSpPr>
+      <p:sp>
+        <p:nvSpPr>
+          <p:cNvPr id="66" name="PlaceHolder 1"/>
+          <p:cNvSpPr>
+            <a:spLocks noGrp="1"/>
+          </p:cNvSpPr>
+          <p:nvPr>
+            <p:ph type="title"/>
+          </p:nvPr>
+        </p:nvSpPr>
+        <p:spPr>
+          <a:xfrm>
+            <a:off x="504000" y="576000"/>
+            <a:ext cx="7199640" cy="719640"/>
+          </a:xfrm>
+          <a:prstGeom prst="rect">
+            <a:avLst/>
+          </a:prstGeom>
+        </p:spPr>
+        <p:txBody>
+          <a:bodyPr lIns="0" rIns="0" tIns="0" bIns="0" anchor="ctr"/>
+          <a:p>
+            <a:pPr algn="ctr"/>
+            <a:endParaRPr b="0" lang="sv-SE" sz="4400" spc="-1" strike="noStrike">
+              <a:latin typeface="Arial"/>
+            </a:endParaRPr>
+          </a:p>
+        </p:txBody>
+      </p:sp>
+      <p:sp>
+        <p:nvSpPr>
+          <p:cNvPr id="67" name="PlaceHolder 2"/>
+          <p:cNvSpPr>
+            <a:spLocks noGrp="1"/>
+          </p:cNvSpPr>
+          <p:nvPr>
+            <p:ph type="body"/>
+          </p:nvPr>
+        </p:nvSpPr>
+        <p:spPr>
+          <a:xfrm>
+            <a:off x="504000" y="1800000"/>
+            <a:ext cx="4426920" cy="2090880"/>
+          </a:xfrm>
+          <a:prstGeom prst="rect">
+            <a:avLst/>
+          </a:prstGeom>
+        </p:spPr>
+        <p:txBody>
+          <a:bodyPr lIns="0" rIns="0" tIns="0" bIns="0">
+            <a:normAutofit/>
+          </a:bodyPr>
+          <a:p>
+            <a:endParaRPr b="0" lang="sv-SE" sz="3200" spc="-1" strike="noStrike">
+              <a:latin typeface="Arial"/>
+            </a:endParaRPr>
+          </a:p>
+        </p:txBody>
+      </p:sp>
+      <p:sp>
+        <p:nvSpPr>
+          <p:cNvPr id="68" name="PlaceHolder 3"/>
+          <p:cNvSpPr>
+            <a:spLocks noGrp="1"/>
+          </p:cNvSpPr>
+          <p:nvPr>
+            <p:ph type="body"/>
+          </p:nvPr>
+        </p:nvSpPr>
+        <p:spPr>
+          <a:xfrm>
+            <a:off x="5152680" y="1800000"/>
+            <a:ext cx="4426920" cy="2090880"/>
+          </a:xfrm>
+          <a:prstGeom prst="rect">
+            <a:avLst/>
+          </a:prstGeom>
+        </p:spPr>
+        <p:txBody>
+          <a:bodyPr lIns="0" rIns="0" tIns="0" bIns="0">
+            <a:normAutofit/>
+          </a:bodyPr>
+          <a:p>
+            <a:endParaRPr b="0" lang="sv-SE" sz="3200" spc="-1" strike="noStrike">
+              <a:latin typeface="Arial"/>
+            </a:endParaRPr>
+          </a:p>
+        </p:txBody>
+      </p:sp>
+      <p:sp>
+        <p:nvSpPr>
+          <p:cNvPr id="69" name="PlaceHolder 4"/>
+          <p:cNvSpPr>
+            <a:spLocks noGrp="1"/>
+          </p:cNvSpPr>
+          <p:nvPr>
+            <p:ph type="body"/>
+          </p:nvPr>
+        </p:nvSpPr>
+        <p:spPr>
+          <a:xfrm>
+            <a:off x="504000" y="4089960"/>
+            <a:ext cx="4426920" cy="2090880"/>
+          </a:xfrm>
+          <a:prstGeom prst="rect">
+            <a:avLst/>
+          </a:prstGeom>
+        </p:spPr>
+        <p:txBody>
+          <a:bodyPr lIns="0" rIns="0" tIns="0" bIns="0">
+            <a:normAutofit/>
+          </a:bodyPr>
+          <a:p>
+            <a:endParaRPr b="0" lang="sv-SE" sz="3200" spc="-1" strike="noStrike">
+              <a:latin typeface="Arial"/>
+            </a:endParaRPr>
+          </a:p>
+        </p:txBody>
+      </p:sp>
+      <p:sp>
+        <p:nvSpPr>
+          <p:cNvPr id="70" name="PlaceHolder 5"/>
+          <p:cNvSpPr>
+            <a:spLocks noGrp="1"/>
+          </p:cNvSpPr>
+          <p:nvPr>
+            <p:ph type="body"/>
+          </p:nvPr>
+        </p:nvSpPr>
+        <p:spPr>
+          <a:xfrm>
+            <a:off x="5152680" y="4089960"/>
+            <a:ext cx="4426920" cy="2090880"/>
+          </a:xfrm>
+          <a:prstGeom prst="rect">
+            <a:avLst/>
+          </a:prstGeom>
+        </p:spPr>
+        <p:txBody>
+          <a:bodyPr lIns="0" rIns="0" tIns="0" bIns="0">
+            <a:normAutofit/>
+          </a:bodyPr>
+          <a:p>
+            <a:endParaRPr b="0" lang="sv-SE" sz="3200" spc="-1" strike="noStrike">
+              <a:latin typeface="Arial"/>
+            </a:endParaRPr>
+          </a:p>
+        </p:txBody>
+      </p:sp>
+    </p:spTree>
+  </p:cSld>
+</p:sldLayout>
+</file>
+
+<file path=ppt/slideLayouts/slideLayout24.xml><?xml version="1.0" encoding="utf-8"?>
+<p:sldLayout xmlns:a="http://schemas.openxmlformats.org/drawingml/2006/main" xmlns:p="http://schemas.openxmlformats.org/presentationml/2006/main" xmlns:r="http://schemas.openxmlformats.org/officeDocument/2006/relationships" xmlns:p14="http://schemas.microsoft.com/office/powerpoint/2010/main" xmlns:p15="http://schemas.microsoft.com/office/powerpoint/2012/main" xmlns:mc="http://schemas.openxmlformats.org/markup-compatibility/2006" type="blank" preserve="1">
+  <p:cSld name="Title, 6 Content">
+    <p:spTree>
+      <p:nvGrpSpPr>
+        <p:cNvPr id="1" name=""/>
+        <p:cNvGrpSpPr/>
+        <p:nvPr/>
+      </p:nvGrpSpPr>
+      <p:grpSpPr>
+        <a:xfrm>
+          <a:off x="0" y="0"/>
+          <a:ext cx="0" cy="0"/>
+          <a:chOff x="0" y="0"/>
+          <a:chExt cx="0" cy="0"/>
+        </a:xfrm>
+      </p:grpSpPr>
+      <p:sp>
+        <p:nvSpPr>
+          <p:cNvPr id="71" name="PlaceHolder 1"/>
+          <p:cNvSpPr>
+            <a:spLocks noGrp="1"/>
+          </p:cNvSpPr>
+          <p:nvPr>
+            <p:ph type="title"/>
+          </p:nvPr>
+        </p:nvSpPr>
+        <p:spPr>
+          <a:xfrm>
+            <a:off x="504000" y="576000"/>
+            <a:ext cx="7199640" cy="719640"/>
+          </a:xfrm>
+          <a:prstGeom prst="rect">
+            <a:avLst/>
+          </a:prstGeom>
+        </p:spPr>
+        <p:txBody>
+          <a:bodyPr lIns="0" rIns="0" tIns="0" bIns="0" anchor="ctr"/>
+          <a:p>
+            <a:pPr algn="ctr"/>
+            <a:endParaRPr b="0" lang="sv-SE" sz="4400" spc="-1" strike="noStrike">
+              <a:latin typeface="Arial"/>
+            </a:endParaRPr>
+          </a:p>
+        </p:txBody>
+      </p:sp>
+      <p:sp>
+        <p:nvSpPr>
+          <p:cNvPr id="72" name="PlaceHolder 2"/>
+          <p:cNvSpPr>
+            <a:spLocks noGrp="1"/>
+          </p:cNvSpPr>
+          <p:nvPr>
+            <p:ph type="body"/>
+          </p:nvPr>
+        </p:nvSpPr>
+        <p:spPr>
+          <a:xfrm>
+            <a:off x="504000" y="1800000"/>
+            <a:ext cx="2920680" cy="2090880"/>
+          </a:xfrm>
+          <a:prstGeom prst="rect">
+            <a:avLst/>
+          </a:prstGeom>
+        </p:spPr>
+        <p:txBody>
+          <a:bodyPr lIns="0" rIns="0" tIns="0" bIns="0">
+            <a:normAutofit/>
+          </a:bodyPr>
+          <a:p>
+            <a:endParaRPr b="0" lang="sv-SE" sz="3200" spc="-1" strike="noStrike">
+              <a:latin typeface="Arial"/>
+            </a:endParaRPr>
+          </a:p>
+        </p:txBody>
+      </p:sp>
+      <p:sp>
+        <p:nvSpPr>
+          <p:cNvPr id="73" name="PlaceHolder 3"/>
+          <p:cNvSpPr>
+            <a:spLocks noGrp="1"/>
+          </p:cNvSpPr>
+          <p:nvPr>
+            <p:ph type="body"/>
+          </p:nvPr>
+        </p:nvSpPr>
+        <p:spPr>
+          <a:xfrm>
+            <a:off x="3571200" y="1800000"/>
+            <a:ext cx="2920680" cy="2090880"/>
+          </a:xfrm>
+          <a:prstGeom prst="rect">
+            <a:avLst/>
+          </a:prstGeom>
+        </p:spPr>
+        <p:txBody>
+          <a:bodyPr lIns="0" rIns="0" tIns="0" bIns="0">
+            <a:normAutofit/>
+          </a:bodyPr>
+          <a:p>
+            <a:endParaRPr b="0" lang="sv-SE" sz="3200" spc="-1" strike="noStrike">
+              <a:latin typeface="Arial"/>
+            </a:endParaRPr>
+          </a:p>
+        </p:txBody>
+      </p:sp>
+      <p:sp>
+        <p:nvSpPr>
+          <p:cNvPr id="74" name="PlaceHolder 4"/>
+          <p:cNvSpPr>
+            <a:spLocks noGrp="1"/>
+          </p:cNvSpPr>
+          <p:nvPr>
+            <p:ph type="body"/>
+          </p:nvPr>
+        </p:nvSpPr>
+        <p:spPr>
+          <a:xfrm>
+            <a:off x="6638040" y="1800000"/>
+            <a:ext cx="2920680" cy="2090880"/>
+          </a:xfrm>
+          <a:prstGeom prst="rect">
+            <a:avLst/>
+          </a:prstGeom>
+        </p:spPr>
+        <p:txBody>
+          <a:bodyPr lIns="0" rIns="0" tIns="0" bIns="0">
+            <a:normAutofit/>
+          </a:bodyPr>
+          <a:p>
+            <a:endParaRPr b="0" lang="sv-SE" sz="3200" spc="-1" strike="noStrike">
+              <a:latin typeface="Arial"/>
+            </a:endParaRPr>
+          </a:p>
+        </p:txBody>
+      </p:sp>
+      <p:sp>
+        <p:nvSpPr>
+          <p:cNvPr id="75" name="PlaceHolder 5"/>
+          <p:cNvSpPr>
+            <a:spLocks noGrp="1"/>
+          </p:cNvSpPr>
+          <p:nvPr>
+            <p:ph type="body"/>
+          </p:nvPr>
+        </p:nvSpPr>
+        <p:spPr>
+          <a:xfrm>
+            <a:off x="504000" y="4089960"/>
+            <a:ext cx="2920680" cy="2090880"/>
+          </a:xfrm>
+          <a:prstGeom prst="rect">
+            <a:avLst/>
+          </a:prstGeom>
+        </p:spPr>
+        <p:txBody>
+          <a:bodyPr lIns="0" rIns="0" tIns="0" bIns="0">
+            <a:normAutofit/>
+          </a:bodyPr>
+          <a:p>
+            <a:endParaRPr b="0" lang="sv-SE" sz="3200" spc="-1" strike="noStrike">
+              <a:latin typeface="Arial"/>
+            </a:endParaRPr>
+          </a:p>
+        </p:txBody>
+      </p:sp>
+      <p:sp>
+        <p:nvSpPr>
+          <p:cNvPr id="76" name="PlaceHolder 6"/>
+          <p:cNvSpPr>
+            <a:spLocks noGrp="1"/>
+          </p:cNvSpPr>
+          <p:nvPr>
+            <p:ph type="body"/>
+          </p:nvPr>
+        </p:nvSpPr>
+        <p:spPr>
+          <a:xfrm>
+            <a:off x="3571200" y="4089960"/>
+            <a:ext cx="2920680" cy="2090880"/>
+          </a:xfrm>
+          <a:prstGeom prst="rect">
+            <a:avLst/>
+          </a:prstGeom>
+        </p:spPr>
+        <p:txBody>
+          <a:bodyPr lIns="0" rIns="0" tIns="0" bIns="0">
+            <a:normAutofit/>
+          </a:bodyPr>
+          <a:p>
+            <a:endParaRPr b="0" lang="sv-SE" sz="3200" spc="-1" strike="noStrike">
+              <a:latin typeface="Arial"/>
+            </a:endParaRPr>
+          </a:p>
+        </p:txBody>
+      </p:sp>
+      <p:sp>
+        <p:nvSpPr>
+          <p:cNvPr id="77" name="PlaceHolder 7"/>
+          <p:cNvSpPr>
+            <a:spLocks noGrp="1"/>
+          </p:cNvSpPr>
+          <p:nvPr>
+            <p:ph type="body"/>
+          </p:nvPr>
+        </p:nvSpPr>
+        <p:spPr>
+          <a:xfrm>
+            <a:off x="6638040" y="4089960"/>
+            <a:ext cx="2920680" cy="2090880"/>
+          </a:xfrm>
+          <a:prstGeom prst="rect">
+            <a:avLst/>
+          </a:prstGeom>
+        </p:spPr>
+        <p:txBody>
+          <a:bodyPr lIns="0" rIns="0" tIns="0" bIns="0">
+            <a:normAutofit/>
+          </a:bodyPr>
+          <a:p>
             <a:endParaRPr b="0" lang="sv-SE" sz="3200" spc="-1" strike="noStrike">
               <a:latin typeface="Arial"/>
             </a:endParaRPr>
@@ -651,7 +1988,7 @@
       </p:grpSpPr>
       <p:sp>
         <p:nvSpPr>
-          <p:cNvPr id="8" name="PlaceHolder 1"/>
+          <p:cNvPr id="5" name="PlaceHolder 1"/>
           <p:cNvSpPr>
             <a:spLocks noGrp="1"/>
           </p:cNvSpPr>
@@ -662,7 +1999,7 @@
         <p:spPr>
           <a:xfrm>
             <a:off x="504000" y="576000"/>
-            <a:ext cx="7200000" cy="720000"/>
+            <a:ext cx="7199640" cy="719640"/>
           </a:xfrm>
           <a:prstGeom prst="rect">
             <a:avLst/>
@@ -671,15 +2008,16 @@
         <p:txBody>
           <a:bodyPr lIns="0" rIns="0" tIns="0" bIns="0" anchor="ctr"/>
           <a:p>
-            <a:endParaRPr b="0" lang="sv-SE" sz="3600" spc="-1" strike="noStrike">
-              <a:latin typeface="Arial"/>
-            </a:endParaRPr>
-          </a:p>
-        </p:txBody>
-      </p:sp>
-      <p:sp>
-        <p:nvSpPr>
-          <p:cNvPr id="9" name="PlaceHolder 2"/>
+            <a:pPr algn="ctr"/>
+            <a:endParaRPr b="0" lang="sv-SE" sz="4400" spc="-1" strike="noStrike">
+              <a:latin typeface="Arial"/>
+            </a:endParaRPr>
+          </a:p>
+        </p:txBody>
+      </p:sp>
+      <p:sp>
+        <p:nvSpPr>
+          <p:cNvPr id="6" name="PlaceHolder 2"/>
           <p:cNvSpPr>
             <a:spLocks noGrp="1"/>
           </p:cNvSpPr>
@@ -690,7 +2028,7 @@
         <p:spPr>
           <a:xfrm>
             <a:off x="504000" y="1800000"/>
-            <a:ext cx="9072000" cy="4384440"/>
+            <a:ext cx="9071640" cy="4384080"/>
           </a:xfrm>
           <a:prstGeom prst="rect">
             <a:avLst/>
@@ -701,7 +2039,7 @@
             <a:normAutofit/>
           </a:bodyPr>
           <a:p>
-            <a:endParaRPr b="0" lang="sv-SE" sz="2600" spc="-1" strike="noStrike">
+            <a:endParaRPr b="0" lang="sv-SE" sz="3200" spc="-1" strike="noStrike">
               <a:latin typeface="Arial"/>
             </a:endParaRPr>
           </a:p>
@@ -731,7 +2069,7 @@
       </p:grpSpPr>
       <p:sp>
         <p:nvSpPr>
-          <p:cNvPr id="10" name="PlaceHolder 1"/>
+          <p:cNvPr id="7" name="PlaceHolder 1"/>
           <p:cNvSpPr>
             <a:spLocks noGrp="1"/>
           </p:cNvSpPr>
@@ -742,7 +2080,7 @@
         <p:spPr>
           <a:xfrm>
             <a:off x="504000" y="576000"/>
-            <a:ext cx="7200000" cy="720000"/>
+            <a:ext cx="7199640" cy="719640"/>
           </a:xfrm>
           <a:prstGeom prst="rect">
             <a:avLst/>
@@ -751,15 +2089,16 @@
         <p:txBody>
           <a:bodyPr lIns="0" rIns="0" tIns="0" bIns="0" anchor="ctr"/>
           <a:p>
-            <a:endParaRPr b="0" lang="sv-SE" sz="3600" spc="-1" strike="noStrike">
-              <a:latin typeface="Arial"/>
-            </a:endParaRPr>
-          </a:p>
-        </p:txBody>
-      </p:sp>
-      <p:sp>
-        <p:nvSpPr>
-          <p:cNvPr id="11" name="PlaceHolder 2"/>
+            <a:pPr algn="ctr"/>
+            <a:endParaRPr b="0" lang="sv-SE" sz="4400" spc="-1" strike="noStrike">
+              <a:latin typeface="Arial"/>
+            </a:endParaRPr>
+          </a:p>
+        </p:txBody>
+      </p:sp>
+      <p:sp>
+        <p:nvSpPr>
+          <p:cNvPr id="8" name="PlaceHolder 2"/>
           <p:cNvSpPr>
             <a:spLocks noGrp="1"/>
           </p:cNvSpPr>
@@ -770,7 +2109,7 @@
         <p:spPr>
           <a:xfrm>
             <a:off x="504000" y="1800000"/>
-            <a:ext cx="4426920" cy="4384440"/>
+            <a:ext cx="4426920" cy="4384080"/>
           </a:xfrm>
           <a:prstGeom prst="rect">
             <a:avLst/>
@@ -781,15 +2120,15 @@
             <a:normAutofit/>
           </a:bodyPr>
           <a:p>
-            <a:endParaRPr b="0" lang="sv-SE" sz="2600" spc="-1" strike="noStrike">
-              <a:latin typeface="Arial"/>
-            </a:endParaRPr>
-          </a:p>
-        </p:txBody>
-      </p:sp>
-      <p:sp>
-        <p:nvSpPr>
-          <p:cNvPr id="12" name="PlaceHolder 3"/>
+            <a:endParaRPr b="0" lang="sv-SE" sz="3200" spc="-1" strike="noStrike">
+              <a:latin typeface="Arial"/>
+            </a:endParaRPr>
+          </a:p>
+        </p:txBody>
+      </p:sp>
+      <p:sp>
+        <p:nvSpPr>
+          <p:cNvPr id="9" name="PlaceHolder 3"/>
           <p:cNvSpPr>
             <a:spLocks noGrp="1"/>
           </p:cNvSpPr>
@@ -800,7 +2139,7 @@
         <p:spPr>
           <a:xfrm>
             <a:off x="5152680" y="1800000"/>
-            <a:ext cx="4426920" cy="4384440"/>
+            <a:ext cx="4426920" cy="4384080"/>
           </a:xfrm>
           <a:prstGeom prst="rect">
             <a:avLst/>
@@ -811,7 +2150,7 @@
             <a:normAutofit/>
           </a:bodyPr>
           <a:p>
-            <a:endParaRPr b="0" lang="sv-SE" sz="2600" spc="-1" strike="noStrike">
+            <a:endParaRPr b="0" lang="sv-SE" sz="3200" spc="-1" strike="noStrike">
               <a:latin typeface="Arial"/>
             </a:endParaRPr>
           </a:p>
@@ -841,7 +2180,7 @@
       </p:grpSpPr>
       <p:sp>
         <p:nvSpPr>
-          <p:cNvPr id="13" name="PlaceHolder 1"/>
+          <p:cNvPr id="10" name="PlaceHolder 1"/>
           <p:cNvSpPr>
             <a:spLocks noGrp="1"/>
           </p:cNvSpPr>
@@ -852,7 +2191,7 @@
         <p:spPr>
           <a:xfrm>
             <a:off x="504000" y="576000"/>
-            <a:ext cx="7200000" cy="720000"/>
+            <a:ext cx="7199640" cy="719640"/>
           </a:xfrm>
           <a:prstGeom prst="rect">
             <a:avLst/>
@@ -861,7 +2200,8 @@
         <p:txBody>
           <a:bodyPr lIns="0" rIns="0" tIns="0" bIns="0" anchor="ctr"/>
           <a:p>
-            <a:endParaRPr b="0" lang="sv-SE" sz="3600" spc="-1" strike="noStrike">
+            <a:pPr algn="ctr"/>
+            <a:endParaRPr b="0" lang="sv-SE" sz="4400" spc="-1" strike="noStrike">
               <a:latin typeface="Arial"/>
             </a:endParaRPr>
           </a:p>
@@ -891,7 +2231,7 @@
       </p:grpSpPr>
       <p:sp>
         <p:nvSpPr>
-          <p:cNvPr id="14" name="PlaceHolder 1"/>
+          <p:cNvPr id="11" name="PlaceHolder 1"/>
           <p:cNvSpPr>
             <a:spLocks noGrp="1"/>
           </p:cNvSpPr>
@@ -902,7 +2242,7 @@
         <p:spPr>
           <a:xfrm>
             <a:off x="504000" y="576000"/>
-            <a:ext cx="7200000" cy="3338640"/>
+            <a:ext cx="7199640" cy="3337200"/>
           </a:xfrm>
           <a:prstGeom prst="rect">
             <a:avLst/>
@@ -942,7 +2282,7 @@
       </p:grpSpPr>
       <p:sp>
         <p:nvSpPr>
-          <p:cNvPr id="15" name="PlaceHolder 1"/>
+          <p:cNvPr id="12" name="PlaceHolder 1"/>
           <p:cNvSpPr>
             <a:spLocks noGrp="1"/>
           </p:cNvSpPr>
@@ -953,7 +2293,7 @@
         <p:spPr>
           <a:xfrm>
             <a:off x="504000" y="576000"/>
-            <a:ext cx="7200000" cy="720000"/>
+            <a:ext cx="7199640" cy="719640"/>
           </a:xfrm>
           <a:prstGeom prst="rect">
             <a:avLst/>
@@ -962,15 +2302,16 @@
         <p:txBody>
           <a:bodyPr lIns="0" rIns="0" tIns="0" bIns="0" anchor="ctr"/>
           <a:p>
-            <a:endParaRPr b="0" lang="sv-SE" sz="3600" spc="-1" strike="noStrike">
-              <a:latin typeface="Arial"/>
-            </a:endParaRPr>
-          </a:p>
-        </p:txBody>
-      </p:sp>
-      <p:sp>
-        <p:nvSpPr>
-          <p:cNvPr id="16" name="PlaceHolder 2"/>
+            <a:pPr algn="ctr"/>
+            <a:endParaRPr b="0" lang="sv-SE" sz="4400" spc="-1" strike="noStrike">
+              <a:latin typeface="Arial"/>
+            </a:endParaRPr>
+          </a:p>
+        </p:txBody>
+      </p:sp>
+      <p:sp>
+        <p:nvSpPr>
+          <p:cNvPr id="13" name="PlaceHolder 2"/>
           <p:cNvSpPr>
             <a:spLocks noGrp="1"/>
           </p:cNvSpPr>
@@ -981,7 +2322,7 @@
         <p:spPr>
           <a:xfrm>
             <a:off x="504000" y="1800000"/>
-            <a:ext cx="4426920" cy="2091240"/>
+            <a:ext cx="4426920" cy="2090880"/>
           </a:xfrm>
           <a:prstGeom prst="rect">
             <a:avLst/>
@@ -992,15 +2333,15 @@
             <a:normAutofit/>
           </a:bodyPr>
           <a:p>
-            <a:endParaRPr b="0" lang="sv-SE" sz="2600" spc="-1" strike="noStrike">
-              <a:latin typeface="Arial"/>
-            </a:endParaRPr>
-          </a:p>
-        </p:txBody>
-      </p:sp>
-      <p:sp>
-        <p:nvSpPr>
-          <p:cNvPr id="17" name="PlaceHolder 3"/>
+            <a:endParaRPr b="0" lang="sv-SE" sz="3200" spc="-1" strike="noStrike">
+              <a:latin typeface="Arial"/>
+            </a:endParaRPr>
+          </a:p>
+        </p:txBody>
+      </p:sp>
+      <p:sp>
+        <p:nvSpPr>
+          <p:cNvPr id="14" name="PlaceHolder 3"/>
           <p:cNvSpPr>
             <a:spLocks noGrp="1"/>
           </p:cNvSpPr>
@@ -1011,7 +2352,7 @@
         <p:spPr>
           <a:xfrm>
             <a:off x="5152680" y="1800000"/>
-            <a:ext cx="4426920" cy="4384440"/>
+            <a:ext cx="4426920" cy="4384080"/>
           </a:xfrm>
           <a:prstGeom prst="rect">
             <a:avLst/>
@@ -1022,15 +2363,15 @@
             <a:normAutofit/>
           </a:bodyPr>
           <a:p>
-            <a:endParaRPr b="0" lang="sv-SE" sz="2600" spc="-1" strike="noStrike">
-              <a:latin typeface="Arial"/>
-            </a:endParaRPr>
-          </a:p>
-        </p:txBody>
-      </p:sp>
-      <p:sp>
-        <p:nvSpPr>
-          <p:cNvPr id="18" name="PlaceHolder 4"/>
+            <a:endParaRPr b="0" lang="sv-SE" sz="3200" spc="-1" strike="noStrike">
+              <a:latin typeface="Arial"/>
+            </a:endParaRPr>
+          </a:p>
+        </p:txBody>
+      </p:sp>
+      <p:sp>
+        <p:nvSpPr>
+          <p:cNvPr id="15" name="PlaceHolder 4"/>
           <p:cNvSpPr>
             <a:spLocks noGrp="1"/>
           </p:cNvSpPr>
@@ -1040,8 +2381,8 @@
         </p:nvSpPr>
         <p:spPr>
           <a:xfrm>
-            <a:off x="504000" y="4090320"/>
-            <a:ext cx="4426920" cy="2091240"/>
+            <a:off x="504000" y="4089960"/>
+            <a:ext cx="4426920" cy="2090880"/>
           </a:xfrm>
           <a:prstGeom prst="rect">
             <a:avLst/>
@@ -1052,7 +2393,7 @@
             <a:normAutofit/>
           </a:bodyPr>
           <a:p>
-            <a:endParaRPr b="0" lang="sv-SE" sz="2600" spc="-1" strike="noStrike">
+            <a:endParaRPr b="0" lang="sv-SE" sz="3200" spc="-1" strike="noStrike">
               <a:latin typeface="Arial"/>
             </a:endParaRPr>
           </a:p>
@@ -1082,7 +2423,7 @@
       </p:grpSpPr>
       <p:sp>
         <p:nvSpPr>
-          <p:cNvPr id="19" name="PlaceHolder 1"/>
+          <p:cNvPr id="16" name="PlaceHolder 1"/>
           <p:cNvSpPr>
             <a:spLocks noGrp="1"/>
           </p:cNvSpPr>
@@ -1093,7 +2434,7 @@
         <p:spPr>
           <a:xfrm>
             <a:off x="504000" y="576000"/>
-            <a:ext cx="7200000" cy="720000"/>
+            <a:ext cx="7199640" cy="719640"/>
           </a:xfrm>
           <a:prstGeom prst="rect">
             <a:avLst/>
@@ -1102,15 +2443,16 @@
         <p:txBody>
           <a:bodyPr lIns="0" rIns="0" tIns="0" bIns="0" anchor="ctr"/>
           <a:p>
-            <a:endParaRPr b="0" lang="sv-SE" sz="3600" spc="-1" strike="noStrike">
-              <a:latin typeface="Arial"/>
-            </a:endParaRPr>
-          </a:p>
-        </p:txBody>
-      </p:sp>
-      <p:sp>
-        <p:nvSpPr>
-          <p:cNvPr id="20" name="PlaceHolder 2"/>
+            <a:pPr algn="ctr"/>
+            <a:endParaRPr b="0" lang="sv-SE" sz="4400" spc="-1" strike="noStrike">
+              <a:latin typeface="Arial"/>
+            </a:endParaRPr>
+          </a:p>
+        </p:txBody>
+      </p:sp>
+      <p:sp>
+        <p:nvSpPr>
+          <p:cNvPr id="17" name="PlaceHolder 2"/>
           <p:cNvSpPr>
             <a:spLocks noGrp="1"/>
           </p:cNvSpPr>
@@ -1121,7 +2463,7 @@
         <p:spPr>
           <a:xfrm>
             <a:off x="504000" y="1800000"/>
-            <a:ext cx="4426920" cy="4384440"/>
+            <a:ext cx="4426920" cy="4384080"/>
           </a:xfrm>
           <a:prstGeom prst="rect">
             <a:avLst/>
@@ -1132,15 +2474,15 @@
             <a:normAutofit/>
           </a:bodyPr>
           <a:p>
-            <a:endParaRPr b="0" lang="sv-SE" sz="2600" spc="-1" strike="noStrike">
-              <a:latin typeface="Arial"/>
-            </a:endParaRPr>
-          </a:p>
-        </p:txBody>
-      </p:sp>
-      <p:sp>
-        <p:nvSpPr>
-          <p:cNvPr id="21" name="PlaceHolder 3"/>
+            <a:endParaRPr b="0" lang="sv-SE" sz="3200" spc="-1" strike="noStrike">
+              <a:latin typeface="Arial"/>
+            </a:endParaRPr>
+          </a:p>
+        </p:txBody>
+      </p:sp>
+      <p:sp>
+        <p:nvSpPr>
+          <p:cNvPr id="18" name="PlaceHolder 3"/>
           <p:cNvSpPr>
             <a:spLocks noGrp="1"/>
           </p:cNvSpPr>
@@ -1151,7 +2493,7 @@
         <p:spPr>
           <a:xfrm>
             <a:off x="5152680" y="1800000"/>
-            <a:ext cx="4426920" cy="2091240"/>
+            <a:ext cx="4426920" cy="2090880"/>
           </a:xfrm>
           <a:prstGeom prst="rect">
             <a:avLst/>
@@ -1162,15 +2504,15 @@
             <a:normAutofit/>
           </a:bodyPr>
           <a:p>
-            <a:endParaRPr b="0" lang="sv-SE" sz="2600" spc="-1" strike="noStrike">
-              <a:latin typeface="Arial"/>
-            </a:endParaRPr>
-          </a:p>
-        </p:txBody>
-      </p:sp>
-      <p:sp>
-        <p:nvSpPr>
-          <p:cNvPr id="22" name="PlaceHolder 4"/>
+            <a:endParaRPr b="0" lang="sv-SE" sz="3200" spc="-1" strike="noStrike">
+              <a:latin typeface="Arial"/>
+            </a:endParaRPr>
+          </a:p>
+        </p:txBody>
+      </p:sp>
+      <p:sp>
+        <p:nvSpPr>
+          <p:cNvPr id="19" name="PlaceHolder 4"/>
           <p:cNvSpPr>
             <a:spLocks noGrp="1"/>
           </p:cNvSpPr>
@@ -1180,8 +2522,8 @@
         </p:nvSpPr>
         <p:spPr>
           <a:xfrm>
-            <a:off x="5152680" y="4090320"/>
-            <a:ext cx="4426920" cy="2091240"/>
+            <a:off x="5152680" y="4089960"/>
+            <a:ext cx="4426920" cy="2090880"/>
           </a:xfrm>
           <a:prstGeom prst="rect">
             <a:avLst/>
@@ -1192,7 +2534,7 @@
             <a:normAutofit/>
           </a:bodyPr>
           <a:p>
-            <a:endParaRPr b="0" lang="sv-SE" sz="2600" spc="-1" strike="noStrike">
+            <a:endParaRPr b="0" lang="sv-SE" sz="3200" spc="-1" strike="noStrike">
               <a:latin typeface="Arial"/>
             </a:endParaRPr>
           </a:p>
@@ -1222,7 +2564,7 @@
       </p:grpSpPr>
       <p:sp>
         <p:nvSpPr>
-          <p:cNvPr id="23" name="PlaceHolder 1"/>
+          <p:cNvPr id="20" name="PlaceHolder 1"/>
           <p:cNvSpPr>
             <a:spLocks noGrp="1"/>
           </p:cNvSpPr>
@@ -1233,7 +2575,7 @@
         <p:spPr>
           <a:xfrm>
             <a:off x="504000" y="576000"/>
-            <a:ext cx="7200000" cy="720000"/>
+            <a:ext cx="7199640" cy="719640"/>
           </a:xfrm>
           <a:prstGeom prst="rect">
             <a:avLst/>
@@ -1242,15 +2584,16 @@
         <p:txBody>
           <a:bodyPr lIns="0" rIns="0" tIns="0" bIns="0" anchor="ctr"/>
           <a:p>
-            <a:endParaRPr b="0" lang="sv-SE" sz="3600" spc="-1" strike="noStrike">
-              <a:latin typeface="Arial"/>
-            </a:endParaRPr>
-          </a:p>
-        </p:txBody>
-      </p:sp>
-      <p:sp>
-        <p:nvSpPr>
-          <p:cNvPr id="24" name="PlaceHolder 2"/>
+            <a:pPr algn="ctr"/>
+            <a:endParaRPr b="0" lang="sv-SE" sz="4400" spc="-1" strike="noStrike">
+              <a:latin typeface="Arial"/>
+            </a:endParaRPr>
+          </a:p>
+        </p:txBody>
+      </p:sp>
+      <p:sp>
+        <p:nvSpPr>
+          <p:cNvPr id="21" name="PlaceHolder 2"/>
           <p:cNvSpPr>
             <a:spLocks noGrp="1"/>
           </p:cNvSpPr>
@@ -1261,7 +2604,7 @@
         <p:spPr>
           <a:xfrm>
             <a:off x="504000" y="1800000"/>
-            <a:ext cx="4426920" cy="2091240"/>
+            <a:ext cx="4426920" cy="2090880"/>
           </a:xfrm>
           <a:prstGeom prst="rect">
             <a:avLst/>
@@ -1272,15 +2615,15 @@
             <a:normAutofit/>
           </a:bodyPr>
           <a:p>
-            <a:endParaRPr b="0" lang="sv-SE" sz="2600" spc="-1" strike="noStrike">
-              <a:latin typeface="Arial"/>
-            </a:endParaRPr>
-          </a:p>
-        </p:txBody>
-      </p:sp>
-      <p:sp>
-        <p:nvSpPr>
-          <p:cNvPr id="25" name="PlaceHolder 3"/>
+            <a:endParaRPr b="0" lang="sv-SE" sz="3200" spc="-1" strike="noStrike">
+              <a:latin typeface="Arial"/>
+            </a:endParaRPr>
+          </a:p>
+        </p:txBody>
+      </p:sp>
+      <p:sp>
+        <p:nvSpPr>
+          <p:cNvPr id="22" name="PlaceHolder 3"/>
           <p:cNvSpPr>
             <a:spLocks noGrp="1"/>
           </p:cNvSpPr>
@@ -1291,7 +2634,7 @@
         <p:spPr>
           <a:xfrm>
             <a:off x="5152680" y="1800000"/>
-            <a:ext cx="4426920" cy="2091240"/>
+            <a:ext cx="4426920" cy="2090880"/>
           </a:xfrm>
           <a:prstGeom prst="rect">
             <a:avLst/>
@@ -1302,15 +2645,15 @@
             <a:normAutofit/>
           </a:bodyPr>
           <a:p>
-            <a:endParaRPr b="0" lang="sv-SE" sz="2600" spc="-1" strike="noStrike">
-              <a:latin typeface="Arial"/>
-            </a:endParaRPr>
-          </a:p>
-        </p:txBody>
-      </p:sp>
-      <p:sp>
-        <p:nvSpPr>
-          <p:cNvPr id="26" name="PlaceHolder 4"/>
+            <a:endParaRPr b="0" lang="sv-SE" sz="3200" spc="-1" strike="noStrike">
+              <a:latin typeface="Arial"/>
+            </a:endParaRPr>
+          </a:p>
+        </p:txBody>
+      </p:sp>
+      <p:sp>
+        <p:nvSpPr>
+          <p:cNvPr id="23" name="PlaceHolder 4"/>
           <p:cNvSpPr>
             <a:spLocks noGrp="1"/>
           </p:cNvSpPr>
@@ -1320,8 +2663,8 @@
         </p:nvSpPr>
         <p:spPr>
           <a:xfrm>
-            <a:off x="504000" y="4090320"/>
-            <a:ext cx="9072000" cy="2091240"/>
+            <a:off x="504000" y="4089960"/>
+            <a:ext cx="9071640" cy="2090880"/>
           </a:xfrm>
           <a:prstGeom prst="rect">
             <a:avLst/>
@@ -1332,7 +2675,7 @@
             <a:normAutofit/>
           </a:bodyPr>
           <a:p>
-            <a:endParaRPr b="0" lang="sv-SE" sz="2600" spc="-1" strike="noStrike">
+            <a:endParaRPr b="0" lang="sv-SE" sz="3200" spc="-1" strike="noStrike">
               <a:latin typeface="Arial"/>
             </a:endParaRPr>
           </a:p>
@@ -1373,7 +2716,7 @@
         <p:spPr>
           <a:xfrm>
             <a:off x="720" y="720"/>
-            <a:ext cx="10079640" cy="7559640"/>
+            <a:ext cx="10079280" cy="7559280"/>
           </a:xfrm>
           <a:prstGeom prst="rect">
             <a:avLst/>
@@ -1396,7 +2739,7 @@
         <p:spPr>
           <a:xfrm>
             <a:off x="504000" y="576000"/>
-            <a:ext cx="7200000" cy="720000"/>
+            <a:ext cx="7199640" cy="719640"/>
           </a:xfrm>
           <a:prstGeom prst="rect">
             <a:avLst/>
@@ -1406,12 +2749,12 @@
           <a:bodyPr lIns="0" rIns="0" tIns="0" bIns="0" anchor="ctr"/>
           <a:p>
             <a:r>
-              <a:rPr b="0" lang="sv-SE" sz="3600" spc="-1" strike="noStrike">
+              <a:rPr b="0" lang="sv-SE" sz="1800" spc="-1" strike="noStrike">
                 <a:latin typeface="Arial"/>
               </a:rPr>
               <a:t>Klicka för att redigera rubriktextens format</a:t>
             </a:r>
-            <a:endParaRPr b="0" lang="sv-SE" sz="3600" spc="-1" strike="noStrike">
+            <a:endParaRPr b="0" lang="sv-SE" sz="1800" spc="-1" strike="noStrike">
               <a:latin typeface="Arial"/>
             </a:endParaRPr>
           </a:p>
@@ -1429,8 +2772,8 @@
         </p:nvSpPr>
         <p:spPr>
           <a:xfrm>
-            <a:off x="504000" y="1800000"/>
-            <a:ext cx="9072000" cy="4384440"/>
+            <a:off x="504000" y="1768680"/>
+            <a:ext cx="9072000" cy="4384080"/>
           </a:xfrm>
           <a:prstGeom prst="rect">
             <a:avLst/>
@@ -1442,259 +2785,155 @@
           </a:bodyPr>
           <a:p>
             <a:pPr marL="432000" indent="-324000">
-              <a:spcAft>
+              <a:spcBef>
                 <a:spcPts val="1417"/>
-              </a:spcAft>
+              </a:spcBef>
               <a:buClr>
-                <a:srgbClr val="99cc66"/>
+                <a:srgbClr val="000000"/>
               </a:buClr>
               <a:buSzPct val="45000"/>
               <a:buFont typeface="Wingdings" charset="2"/>
               <a:buChar char=""/>
             </a:pPr>
             <a:r>
-              <a:rPr b="0" lang="sv-SE" sz="2600" spc="-1" strike="noStrike">
+              <a:rPr b="0" lang="sv-SE" sz="3200" spc="-1" strike="noStrike">
                 <a:latin typeface="Arial"/>
               </a:rPr>
               <a:t>Klicka för att redigera dispositionstextens format</a:t>
             </a:r>
-            <a:endParaRPr b="0" lang="sv-SE" sz="2600" spc="-1" strike="noStrike">
+            <a:endParaRPr b="0" lang="sv-SE" sz="3200" spc="-1" strike="noStrike">
               <a:latin typeface="Arial"/>
             </a:endParaRPr>
           </a:p>
           <a:p>
             <a:pPr lvl="1" marL="864000" indent="-324000">
-              <a:spcAft>
+              <a:spcBef>
                 <a:spcPts val="1134"/>
-              </a:spcAft>
+              </a:spcBef>
               <a:buClr>
-                <a:srgbClr val="99cc66"/>
+                <a:srgbClr val="000000"/>
               </a:buClr>
               <a:buSzPct val="75000"/>
               <a:buFont typeface="Symbol" charset="2"/>
               <a:buChar char=""/>
             </a:pPr>
             <a:r>
-              <a:rPr b="0" lang="sv-SE" sz="2600" spc="-1" strike="noStrike">
+              <a:rPr b="0" lang="sv-SE" sz="2800" spc="-1" strike="noStrike">
                 <a:latin typeface="Arial"/>
               </a:rPr>
               <a:t>Andra dispositionsnivån</a:t>
             </a:r>
-            <a:endParaRPr b="0" lang="sv-SE" sz="2600" spc="-1" strike="noStrike">
+            <a:endParaRPr b="0" lang="sv-SE" sz="2800" spc="-1" strike="noStrike">
               <a:latin typeface="Arial"/>
             </a:endParaRPr>
           </a:p>
           <a:p>
             <a:pPr lvl="2" marL="1296000" indent="-288000">
-              <a:spcAft>
+              <a:spcBef>
                 <a:spcPts val="850"/>
-              </a:spcAft>
+              </a:spcBef>
               <a:buClr>
-                <a:srgbClr val="99cc66"/>
+                <a:srgbClr val="000000"/>
               </a:buClr>
               <a:buSzPct val="45000"/>
               <a:buFont typeface="Wingdings" charset="2"/>
               <a:buChar char=""/>
             </a:pPr>
             <a:r>
-              <a:rPr b="0" lang="sv-SE" sz="2600" spc="-1" strike="noStrike">
+              <a:rPr b="0" lang="sv-SE" sz="2400" spc="-1" strike="noStrike">
                 <a:latin typeface="Arial"/>
               </a:rPr>
               <a:t>Tredje dispositionsnivån</a:t>
             </a:r>
-            <a:endParaRPr b="0" lang="sv-SE" sz="2600" spc="-1" strike="noStrike">
+            <a:endParaRPr b="0" lang="sv-SE" sz="2400" spc="-1" strike="noStrike">
               <a:latin typeface="Arial"/>
             </a:endParaRPr>
           </a:p>
           <a:p>
             <a:pPr lvl="3" marL="1728000" indent="-216000">
-              <a:spcAft>
+              <a:spcBef>
                 <a:spcPts val="567"/>
-              </a:spcAft>
+              </a:spcBef>
               <a:buClr>
-                <a:srgbClr val="99cc66"/>
+                <a:srgbClr val="000000"/>
               </a:buClr>
               <a:buSzPct val="75000"/>
               <a:buFont typeface="Symbol" charset="2"/>
               <a:buChar char=""/>
             </a:pPr>
             <a:r>
-              <a:rPr b="0" lang="sv-SE" sz="2600" spc="-1" strike="noStrike">
+              <a:rPr b="0" lang="sv-SE" sz="2000" spc="-1" strike="noStrike">
                 <a:latin typeface="Arial"/>
               </a:rPr>
               <a:t>Fjärde dispositionsnivån</a:t>
             </a:r>
-            <a:endParaRPr b="0" lang="sv-SE" sz="2600" spc="-1" strike="noStrike">
+            <a:endParaRPr b="0" lang="sv-SE" sz="2000" spc="-1" strike="noStrike">
               <a:latin typeface="Arial"/>
             </a:endParaRPr>
           </a:p>
           <a:p>
             <a:pPr lvl="4" marL="2160000" indent="-216000">
-              <a:spcAft>
+              <a:spcBef>
                 <a:spcPts val="283"/>
-              </a:spcAft>
+              </a:spcBef>
               <a:buClr>
-                <a:srgbClr val="99cc66"/>
+                <a:srgbClr val="000000"/>
               </a:buClr>
               <a:buSzPct val="45000"/>
               <a:buFont typeface="Wingdings" charset="2"/>
               <a:buChar char=""/>
             </a:pPr>
             <a:r>
-              <a:rPr b="0" lang="sv-SE" sz="2600" spc="-1" strike="noStrike">
+              <a:rPr b="0" lang="sv-SE" sz="2000" spc="-1" strike="noStrike">
                 <a:latin typeface="Arial"/>
               </a:rPr>
               <a:t>Femte dispositionsnivån</a:t>
             </a:r>
-            <a:endParaRPr b="0" lang="sv-SE" sz="2600" spc="-1" strike="noStrike">
+            <a:endParaRPr b="0" lang="sv-SE" sz="2000" spc="-1" strike="noStrike">
               <a:latin typeface="Arial"/>
             </a:endParaRPr>
           </a:p>
           <a:p>
             <a:pPr lvl="5" marL="2592000" indent="-216000">
-              <a:spcAft>
+              <a:spcBef>
                 <a:spcPts val="283"/>
-              </a:spcAft>
+              </a:spcBef>
               <a:buClr>
-                <a:srgbClr val="99cc66"/>
+                <a:srgbClr val="000000"/>
               </a:buClr>
               <a:buSzPct val="45000"/>
               <a:buFont typeface="Wingdings" charset="2"/>
               <a:buChar char=""/>
             </a:pPr>
             <a:r>
-              <a:rPr b="0" lang="sv-SE" sz="2600" spc="-1" strike="noStrike">
+              <a:rPr b="0" lang="sv-SE" sz="2000" spc="-1" strike="noStrike">
                 <a:latin typeface="Arial"/>
               </a:rPr>
               <a:t>Sjätte dispositionsnivån</a:t>
             </a:r>
-            <a:endParaRPr b="0" lang="sv-SE" sz="2600" spc="-1" strike="noStrike">
+            <a:endParaRPr b="0" lang="sv-SE" sz="2000" spc="-1" strike="noStrike">
               <a:latin typeface="Arial"/>
             </a:endParaRPr>
           </a:p>
           <a:p>
             <a:pPr lvl="6" marL="3024000" indent="-216000">
-              <a:spcAft>
+              <a:spcBef>
                 <a:spcPts val="283"/>
-              </a:spcAft>
+              </a:spcBef>
               <a:buClr>
-                <a:srgbClr val="99cc66"/>
+                <a:srgbClr val="000000"/>
               </a:buClr>
               <a:buSzPct val="45000"/>
               <a:buFont typeface="Wingdings" charset="2"/>
               <a:buChar char=""/>
             </a:pPr>
             <a:r>
-              <a:rPr b="0" lang="sv-SE" sz="2600" spc="-1" strike="noStrike">
+              <a:rPr b="0" lang="sv-SE" sz="2000" spc="-1" strike="noStrike">
                 <a:latin typeface="Arial"/>
               </a:rPr>
               <a:t>Sjunde dispositionsnivån</a:t>
             </a:r>
-            <a:endParaRPr b="0" lang="sv-SE" sz="2600" spc="-1" strike="noStrike">
-              <a:latin typeface="Arial"/>
-            </a:endParaRPr>
-          </a:p>
-        </p:txBody>
-      </p:sp>
-      <p:sp>
-        <p:nvSpPr>
-          <p:cNvPr id="3" name="PlaceHolder 3"/>
-          <p:cNvSpPr>
-            <a:spLocks noGrp="1"/>
-          </p:cNvSpPr>
-          <p:nvPr>
-            <p:ph type="dt"/>
-          </p:nvPr>
-        </p:nvSpPr>
-        <p:spPr>
-          <a:xfrm>
-            <a:off x="504000" y="6887160"/>
-            <a:ext cx="2348280" cy="521280"/>
-          </a:xfrm>
-          <a:prstGeom prst="rect">
-            <a:avLst/>
-          </a:prstGeom>
-        </p:spPr>
-        <p:txBody>
-          <a:bodyPr lIns="0" rIns="0" tIns="0" bIns="0"/>
-          <a:p>
-            <a:r>
-              <a:rPr b="0" lang="sv-SE" sz="1400" spc="-1" strike="noStrike">
-                <a:latin typeface="Arial"/>
-              </a:rPr>
-              <a:t>&lt;datum/tid&gt;</a:t>
-            </a:r>
-            <a:endParaRPr b="0" lang="sv-SE" sz="1400" spc="-1" strike="noStrike">
-              <a:latin typeface="Arial"/>
-            </a:endParaRPr>
-          </a:p>
-        </p:txBody>
-      </p:sp>
-      <p:sp>
-        <p:nvSpPr>
-          <p:cNvPr id="4" name="PlaceHolder 4"/>
-          <p:cNvSpPr>
-            <a:spLocks noGrp="1"/>
-          </p:cNvSpPr>
-          <p:nvPr>
-            <p:ph type="ftr"/>
-          </p:nvPr>
-        </p:nvSpPr>
-        <p:spPr>
-          <a:xfrm>
-            <a:off x="3447360" y="6887160"/>
-            <a:ext cx="3195000" cy="521280"/>
-          </a:xfrm>
-          <a:prstGeom prst="rect">
-            <a:avLst/>
-          </a:prstGeom>
-        </p:spPr>
-        <p:txBody>
-          <a:bodyPr lIns="0" rIns="0" tIns="0" bIns="0"/>
-          <a:p>
-            <a:pPr algn="ctr"/>
-            <a:r>
-              <a:rPr b="0" lang="sv-SE" sz="1400" spc="-1" strike="noStrike">
-                <a:latin typeface="Arial"/>
-              </a:rPr>
-              <a:t>&lt;sidfot&gt;</a:t>
-            </a:r>
-            <a:endParaRPr b="0" lang="sv-SE" sz="1400" spc="-1" strike="noStrike">
-              <a:latin typeface="Arial"/>
-            </a:endParaRPr>
-          </a:p>
-        </p:txBody>
-      </p:sp>
-      <p:sp>
-        <p:nvSpPr>
-          <p:cNvPr id="5" name="PlaceHolder 5"/>
-          <p:cNvSpPr>
-            <a:spLocks noGrp="1"/>
-          </p:cNvSpPr>
-          <p:nvPr>
-            <p:ph type="sldNum"/>
-          </p:nvPr>
-        </p:nvSpPr>
-        <p:spPr>
-          <a:xfrm>
-            <a:off x="7227000" y="6887160"/>
-            <a:ext cx="2348280" cy="521280"/>
-          </a:xfrm>
-          <a:prstGeom prst="rect">
-            <a:avLst/>
-          </a:prstGeom>
-        </p:spPr>
-        <p:txBody>
-          <a:bodyPr lIns="0" rIns="0" tIns="0" bIns="0"/>
-          <a:p>
-            <a:pPr algn="r"/>
-            <a:fld id="{B379442D-988B-4B33-B0BB-8F107C8892F1}" type="slidenum">
-              <a:rPr b="0" lang="sv-SE" sz="1400" spc="-1" strike="noStrike">
-                <a:latin typeface="Arial"/>
-              </a:rPr>
-              <a:t>&lt;nummer&gt;</a:t>
-            </a:fld>
-            <a:endParaRPr b="0" lang="sv-SE" sz="1400" spc="-1" strike="noStrike">
+            <a:endParaRPr b="0" lang="sv-SE" sz="2000" spc="-1" strike="noStrike">
               <a:latin typeface="Arial"/>
             </a:endParaRPr>
           </a:p>
@@ -1716,6 +2955,279 @@
     <p:sldLayoutId id="2147483658" r:id="rId12"/>
     <p:sldLayoutId id="2147483659" r:id="rId13"/>
     <p:sldLayoutId id="2147483660" r:id="rId14"/>
+  </p:sldLayoutIdLst>
+</p:sldMaster>
+</file>
+
+<file path=ppt/slideMasters/slideMaster2.xml><?xml version="1.0" encoding="utf-8"?>
+<p:sldMaster xmlns:a="http://schemas.openxmlformats.org/drawingml/2006/main" xmlns:p="http://schemas.openxmlformats.org/presentationml/2006/main" xmlns:r="http://schemas.openxmlformats.org/officeDocument/2006/relationships" xmlns:p14="http://schemas.microsoft.com/office/powerpoint/2010/main" xmlns:p15="http://schemas.microsoft.com/office/powerpoint/2012/main" xmlns:mc="http://schemas.openxmlformats.org/markup-compatibility/2006">
+  <p:cSld>
+    <p:spTree>
+      <p:nvGrpSpPr>
+        <p:cNvPr id="1" name=""/>
+        <p:cNvGrpSpPr/>
+        <p:nvPr/>
+      </p:nvGrpSpPr>
+      <p:grpSpPr>
+        <a:xfrm>
+          <a:off x="0" y="0"/>
+          <a:ext cx="0" cy="0"/>
+          <a:chOff x="0" y="0"/>
+          <a:chExt cx="0" cy="0"/>
+        </a:xfrm>
+      </p:grpSpPr>
+      <p:pic>
+        <p:nvPicPr>
+          <p:cNvPr id="39" name="" descr=""/>
+          <p:cNvPicPr/>
+          <p:nvPr/>
+        </p:nvPicPr>
+        <p:blipFill>
+          <a:blip r:embed="rId2"/>
+          <a:stretch/>
+        </p:blipFill>
+        <p:spPr>
+          <a:xfrm>
+            <a:off x="720" y="720"/>
+            <a:ext cx="10079280" cy="7559280"/>
+          </a:xfrm>
+          <a:prstGeom prst="rect">
+            <a:avLst/>
+          </a:prstGeom>
+          <a:ln>
+            <a:noFill/>
+          </a:ln>
+        </p:spPr>
+      </p:pic>
+      <p:sp>
+        <p:nvSpPr>
+          <p:cNvPr id="40" name="PlaceHolder 1"/>
+          <p:cNvSpPr>
+            <a:spLocks noGrp="1"/>
+          </p:cNvSpPr>
+          <p:nvPr>
+            <p:ph type="title"/>
+          </p:nvPr>
+        </p:nvSpPr>
+        <p:spPr>
+          <a:xfrm>
+            <a:off x="504000" y="576000"/>
+            <a:ext cx="7199640" cy="719640"/>
+          </a:xfrm>
+          <a:prstGeom prst="rect">
+            <a:avLst/>
+          </a:prstGeom>
+        </p:spPr>
+        <p:txBody>
+          <a:bodyPr lIns="0" rIns="0" tIns="0" bIns="0" anchor="ctr"/>
+          <a:p>
+            <a:r>
+              <a:rPr b="0" lang="sv-SE" sz="1800" spc="-1" strike="noStrike">
+                <a:latin typeface="Arial"/>
+              </a:rPr>
+              <a:t>Klicka för att redigera rubriktextens format</a:t>
+            </a:r>
+            <a:endParaRPr b="0" lang="sv-SE" sz="1800" spc="-1" strike="noStrike">
+              <a:latin typeface="Arial"/>
+            </a:endParaRPr>
+          </a:p>
+        </p:txBody>
+      </p:sp>
+      <p:sp>
+        <p:nvSpPr>
+          <p:cNvPr id="41" name="PlaceHolder 2"/>
+          <p:cNvSpPr>
+            <a:spLocks noGrp="1"/>
+          </p:cNvSpPr>
+          <p:nvPr>
+            <p:ph type="body"/>
+          </p:nvPr>
+        </p:nvSpPr>
+        <p:spPr>
+          <a:xfrm>
+            <a:off x="504000" y="1800000"/>
+            <a:ext cx="9071640" cy="4384080"/>
+          </a:xfrm>
+          <a:prstGeom prst="rect">
+            <a:avLst/>
+          </a:prstGeom>
+        </p:spPr>
+        <p:txBody>
+          <a:bodyPr lIns="0" rIns="0" tIns="0" bIns="0">
+            <a:normAutofit/>
+          </a:bodyPr>
+          <a:p>
+            <a:pPr marL="432000" indent="-324000">
+              <a:spcBef>
+                <a:spcPts val="1417"/>
+              </a:spcBef>
+              <a:buClr>
+                <a:srgbClr val="000000"/>
+              </a:buClr>
+              <a:buSzPct val="45000"/>
+              <a:buFont typeface="Wingdings" charset="2"/>
+              <a:buChar char=""/>
+            </a:pPr>
+            <a:r>
+              <a:rPr b="0" lang="sv-SE" sz="1800" spc="-1" strike="noStrike">
+                <a:latin typeface="Arial"/>
+              </a:rPr>
+              <a:t>Klicka för att redigera dispositionstextens format</a:t>
+            </a:r>
+            <a:endParaRPr b="0" lang="sv-SE" sz="1800" spc="-1" strike="noStrike">
+              <a:latin typeface="Arial"/>
+            </a:endParaRPr>
+          </a:p>
+          <a:p>
+            <a:pPr lvl="1" marL="864000" indent="-324000">
+              <a:spcBef>
+                <a:spcPts val="1134"/>
+              </a:spcBef>
+              <a:buClr>
+                <a:srgbClr val="000000"/>
+              </a:buClr>
+              <a:buSzPct val="75000"/>
+              <a:buFont typeface="Symbol" charset="2"/>
+              <a:buChar char=""/>
+            </a:pPr>
+            <a:r>
+              <a:rPr b="0" lang="sv-SE" sz="1800" spc="-1" strike="noStrike">
+                <a:latin typeface="Arial"/>
+              </a:rPr>
+              <a:t>Andra dispositionsnivån</a:t>
+            </a:r>
+            <a:endParaRPr b="0" lang="sv-SE" sz="1800" spc="-1" strike="noStrike">
+              <a:latin typeface="Arial"/>
+            </a:endParaRPr>
+          </a:p>
+          <a:p>
+            <a:pPr lvl="2" marL="1296000" indent="-288000">
+              <a:spcBef>
+                <a:spcPts val="850"/>
+              </a:spcBef>
+              <a:buClr>
+                <a:srgbClr val="000000"/>
+              </a:buClr>
+              <a:buSzPct val="45000"/>
+              <a:buFont typeface="Wingdings" charset="2"/>
+              <a:buChar char=""/>
+            </a:pPr>
+            <a:r>
+              <a:rPr b="0" lang="sv-SE" sz="1800" spc="-1" strike="noStrike">
+                <a:latin typeface="Arial"/>
+              </a:rPr>
+              <a:t>Tredje dispositionsnivån</a:t>
+            </a:r>
+            <a:endParaRPr b="0" lang="sv-SE" sz="1800" spc="-1" strike="noStrike">
+              <a:latin typeface="Arial"/>
+            </a:endParaRPr>
+          </a:p>
+          <a:p>
+            <a:pPr lvl="3" marL="1728000" indent="-216000">
+              <a:spcBef>
+                <a:spcPts val="567"/>
+              </a:spcBef>
+              <a:buClr>
+                <a:srgbClr val="000000"/>
+              </a:buClr>
+              <a:buSzPct val="75000"/>
+              <a:buFont typeface="Symbol" charset="2"/>
+              <a:buChar char=""/>
+            </a:pPr>
+            <a:r>
+              <a:rPr b="0" lang="sv-SE" sz="1800" spc="-1" strike="noStrike">
+                <a:latin typeface="Arial"/>
+              </a:rPr>
+              <a:t>Fjärde dispositionsnivån</a:t>
+            </a:r>
+            <a:endParaRPr b="0" lang="sv-SE" sz="1800" spc="-1" strike="noStrike">
+              <a:latin typeface="Arial"/>
+            </a:endParaRPr>
+          </a:p>
+          <a:p>
+            <a:pPr lvl="4" marL="2160000" indent="-216000">
+              <a:spcBef>
+                <a:spcPts val="283"/>
+              </a:spcBef>
+              <a:buClr>
+                <a:srgbClr val="000000"/>
+              </a:buClr>
+              <a:buSzPct val="45000"/>
+              <a:buFont typeface="Wingdings" charset="2"/>
+              <a:buChar char=""/>
+            </a:pPr>
+            <a:r>
+              <a:rPr b="0" lang="sv-SE" sz="1800" spc="-1" strike="noStrike">
+                <a:latin typeface="Arial"/>
+              </a:rPr>
+              <a:t>Femte dispositionsnivån</a:t>
+            </a:r>
+            <a:endParaRPr b="0" lang="sv-SE" sz="1800" spc="-1" strike="noStrike">
+              <a:latin typeface="Arial"/>
+            </a:endParaRPr>
+          </a:p>
+          <a:p>
+            <a:pPr lvl="5" marL="2592000" indent="-216000">
+              <a:spcBef>
+                <a:spcPts val="283"/>
+              </a:spcBef>
+              <a:buClr>
+                <a:srgbClr val="000000"/>
+              </a:buClr>
+              <a:buSzPct val="45000"/>
+              <a:buFont typeface="Wingdings" charset="2"/>
+              <a:buChar char=""/>
+            </a:pPr>
+            <a:r>
+              <a:rPr b="0" lang="sv-SE" sz="1800" spc="-1" strike="noStrike">
+                <a:latin typeface="Arial"/>
+              </a:rPr>
+              <a:t>Sjätte dispositionsnivån</a:t>
+            </a:r>
+            <a:endParaRPr b="0" lang="sv-SE" sz="1800" spc="-1" strike="noStrike">
+              <a:latin typeface="Arial"/>
+            </a:endParaRPr>
+          </a:p>
+          <a:p>
+            <a:pPr lvl="6" marL="3024000" indent="-216000">
+              <a:spcBef>
+                <a:spcPts val="283"/>
+              </a:spcBef>
+              <a:buClr>
+                <a:srgbClr val="000000"/>
+              </a:buClr>
+              <a:buSzPct val="45000"/>
+              <a:buFont typeface="Wingdings" charset="2"/>
+              <a:buChar char=""/>
+            </a:pPr>
+            <a:r>
+              <a:rPr b="0" lang="sv-SE" sz="1800" spc="-1" strike="noStrike">
+                <a:latin typeface="Arial"/>
+              </a:rPr>
+              <a:t>Sjunde dispositionsnivån</a:t>
+            </a:r>
+            <a:endParaRPr b="0" lang="sv-SE" sz="1800" spc="-1" strike="noStrike">
+              <a:latin typeface="Arial"/>
+            </a:endParaRPr>
+          </a:p>
+        </p:txBody>
+      </p:sp>
+    </p:spTree>
+  </p:cSld>
+  <p:clrMap bg1="lt1" bg2="lt2" tx1="dk1" tx2="dk2" accent1="accent1" accent2="accent2" accent3="accent3" accent4="accent4" accent5="accent5" accent6="accent6" hlink="hlink" folHlink="folHlink"/>
+  <p:sldLayoutIdLst>
+    <p:sldLayoutId id="2147483662" r:id="rId3"/>
+    <p:sldLayoutId id="2147483663" r:id="rId4"/>
+    <p:sldLayoutId id="2147483664" r:id="rId5"/>
+    <p:sldLayoutId id="2147483665" r:id="rId6"/>
+    <p:sldLayoutId id="2147483666" r:id="rId7"/>
+    <p:sldLayoutId id="2147483667" r:id="rId8"/>
+    <p:sldLayoutId id="2147483668" r:id="rId9"/>
+    <p:sldLayoutId id="2147483669" r:id="rId10"/>
+    <p:sldLayoutId id="2147483670" r:id="rId11"/>
+    <p:sldLayoutId id="2147483671" r:id="rId12"/>
+    <p:sldLayoutId id="2147483672" r:id="rId13"/>
+    <p:sldLayoutId id="2147483673" r:id="rId14"/>
   </p:sldLayoutIdLst>
 </p:sldMaster>
 </file>
@@ -1739,14 +3251,14 @@
       </p:grpSpPr>
       <p:sp>
         <p:nvSpPr>
-          <p:cNvPr id="42" name="TextShape 1"/>
-          <p:cNvSpPr txBox="1"/>
+          <p:cNvPr id="78" name="CustomShape 1"/>
+          <p:cNvSpPr/>
           <p:nvPr/>
         </p:nvSpPr>
         <p:spPr>
           <a:xfrm>
             <a:off x="504000" y="576000"/>
-            <a:ext cx="7200000" cy="720000"/>
+            <a:ext cx="7199640" cy="719640"/>
           </a:xfrm>
           <a:prstGeom prst="rect">
             <a:avLst/>
@@ -1756,9 +3268,20 @@
             <a:noFill/>
           </a:ln>
         </p:spPr>
+        <p:style>
+          <a:lnRef idx="0"/>
+          <a:fillRef idx="0"/>
+          <a:effectRef idx="0"/>
+          <a:fontRef idx="minor"/>
+        </p:style>
         <p:txBody>
           <a:bodyPr lIns="0" rIns="0" tIns="0" bIns="0" anchor="ctr"/>
           <a:p>
+            <a:pPr>
+              <a:lnSpc>
+                <a:spcPct val="100000"/>
+              </a:lnSpc>
+            </a:pPr>
             <a:r>
               <a:rPr b="0" lang="sv-SE" sz="3600" spc="-1" strike="noStrike">
                 <a:latin typeface="Lithos Pro Regular"/>
@@ -1773,14 +3296,14 @@
       </p:sp>
       <p:sp>
         <p:nvSpPr>
-          <p:cNvPr id="43" name="TextShape 2"/>
-          <p:cNvSpPr txBox="1"/>
+          <p:cNvPr id="79" name="CustomShape 2"/>
+          <p:cNvSpPr/>
           <p:nvPr/>
         </p:nvSpPr>
         <p:spPr>
           <a:xfrm>
             <a:off x="504000" y="1807560"/>
-            <a:ext cx="9072000" cy="4384440"/>
+            <a:ext cx="9071640" cy="4384080"/>
           </a:xfrm>
           <a:prstGeom prst="rect">
             <a:avLst/>
@@ -1790,10 +3313,20 @@
             <a:noFill/>
           </a:ln>
         </p:spPr>
+        <p:style>
+          <a:lnRef idx="0"/>
+          <a:fillRef idx="0"/>
+          <a:effectRef idx="0"/>
+          <a:fontRef idx="minor"/>
+        </p:style>
         <p:txBody>
           <a:bodyPr lIns="0" rIns="0" tIns="0" bIns="0" anchor="ctr"/>
           <a:p>
-            <a:pPr algn="ctr"/>
+            <a:pPr algn="ctr">
+              <a:lnSpc>
+                <a:spcPct val="100000"/>
+              </a:lnSpc>
+            </a:pPr>
             <a:r>
               <a:rPr b="0" lang="sv-SE" sz="3200" spc="-1" strike="noStrike">
                 <a:latin typeface="Arial"/>
@@ -1805,7 +3338,11 @@
             </a:endParaRPr>
           </a:p>
           <a:p>
-            <a:pPr algn="ctr"/>
+            <a:pPr algn="ctr">
+              <a:lnSpc>
+                <a:spcPct val="100000"/>
+              </a:lnSpc>
+            </a:pPr>
             <a:r>
               <a:rPr b="0" lang="sv-SE" sz="3200" spc="-1" strike="noStrike">
                 <a:latin typeface="Arial"/>
@@ -1817,7 +3354,11 @@
             </a:endParaRPr>
           </a:p>
           <a:p>
-            <a:pPr algn="ctr"/>
+            <a:pPr algn="ctr">
+              <a:lnSpc>
+                <a:spcPct val="100000"/>
+              </a:lnSpc>
+            </a:pPr>
             <a:r>
               <a:rPr b="0" lang="sv-SE" sz="2400" spc="-1" strike="noStrike">
                 <a:latin typeface="Arial"/>
@@ -1832,7 +3373,7 @@
       </p:sp>
       <p:pic>
         <p:nvPicPr>
-          <p:cNvPr id="44" name="" descr=""/>
+          <p:cNvPr id="80" name="" descr=""/>
           <p:cNvPicPr/>
           <p:nvPr/>
         </p:nvPicPr>
@@ -1843,7 +3384,7 @@
         <p:spPr>
           <a:xfrm>
             <a:off x="3528000" y="360000"/>
-            <a:ext cx="1486080" cy="1486080"/>
+            <a:ext cx="1485720" cy="1485720"/>
           </a:xfrm>
           <a:prstGeom prst="rect">
             <a:avLst/>
@@ -1863,6 +3404,33 @@
       <p:transition spd="slow"/>
     </mc:Fallback>
   </mc:AlternateContent>
+  <p:timing>
+    <p:tnLst>
+      <p:par>
+        <p:cTn id="1" dur="indefinite" restart="never" nodeType="tmRoot">
+          <p:childTnLst>
+            <p:seq>
+              <p:cTn id="2" dur="indefinite" nodeType="mainSeq"/>
+              <p:prevCondLst>
+                <p:cond delay="0" evt="onPrev">
+                  <p:tgtEl>
+                    <p:sldTgt/>
+                  </p:tgtEl>
+                </p:cond>
+              </p:prevCondLst>
+              <p:nextCondLst>
+                <p:cond delay="0" evt="onNext">
+                  <p:tgtEl>
+                    <p:sldTgt/>
+                  </p:tgtEl>
+                </p:cond>
+              </p:nextCondLst>
+            </p:seq>
+          </p:childTnLst>
+        </p:cTn>
+      </p:par>
+    </p:tnLst>
+  </p:timing>
 </p:sld>
 </file>
 
@@ -1885,14 +3453,14 @@
       </p:grpSpPr>
       <p:sp>
         <p:nvSpPr>
-          <p:cNvPr id="63" name="TextShape 1"/>
-          <p:cNvSpPr txBox="1"/>
+          <p:cNvPr id="99" name="CustomShape 1"/>
+          <p:cNvSpPr/>
           <p:nvPr/>
         </p:nvSpPr>
         <p:spPr>
           <a:xfrm>
             <a:off x="360000" y="1800000"/>
-            <a:ext cx="9072000" cy="4384440"/>
+            <a:ext cx="9071640" cy="4384080"/>
           </a:xfrm>
           <a:prstGeom prst="rect">
             <a:avLst/>
@@ -1902,60 +3470,60 @@
             <a:noFill/>
           </a:ln>
         </p:spPr>
+        <p:style>
+          <a:lnRef idx="0"/>
+          <a:fillRef idx="0"/>
+          <a:effectRef idx="0"/>
+          <a:fontRef idx="minor"/>
+        </p:style>
         <p:txBody>
           <a:bodyPr lIns="0" rIns="0" tIns="0" bIns="0">
             <a:normAutofit/>
           </a:bodyPr>
           <a:p>
-            <a:pPr marL="432000" indent="-324000">
+            <a:pPr>
+              <a:lnSpc>
+                <a:spcPct val="100000"/>
+              </a:lnSpc>
               <a:spcAft>
                 <a:spcPts val="1417"/>
               </a:spcAft>
-              <a:buClr>
-                <a:srgbClr val="99cc66"/>
-              </a:buClr>
-              <a:buSzPct val="45000"/>
-              <a:buFont typeface="Wingdings" charset="2"/>
-              <a:buChar char=""/>
             </a:pPr>
-            <a:endParaRPr b="0" lang="sv-SE" sz="2600" spc="-1" strike="noStrike">
-              <a:latin typeface="Arial"/>
-            </a:endParaRPr>
-          </a:p>
-          <a:p>
-            <a:pPr marL="432000" indent="-324000">
+            <a:endParaRPr b="0" lang="sv-SE" sz="1800" spc="-1" strike="noStrike">
+              <a:latin typeface="Arial"/>
+            </a:endParaRPr>
+          </a:p>
+          <a:p>
+            <a:pPr>
+              <a:lnSpc>
+                <a:spcPct val="100000"/>
+              </a:lnSpc>
               <a:spcAft>
                 <a:spcPts val="1417"/>
               </a:spcAft>
-              <a:buClr>
-                <a:srgbClr val="99cc66"/>
-              </a:buClr>
-              <a:buSzPct val="45000"/>
-              <a:buFont typeface="Wingdings" charset="2"/>
-              <a:buChar char=""/>
             </a:pPr>
-            <a:endParaRPr b="0" lang="sv-SE" sz="2600" spc="-1" strike="noStrike">
-              <a:latin typeface="Arial"/>
-            </a:endParaRPr>
-          </a:p>
-          <a:p>
-            <a:pPr marL="432000" indent="-324000">
+            <a:endParaRPr b="0" lang="sv-SE" sz="1800" spc="-1" strike="noStrike">
+              <a:latin typeface="Arial"/>
+            </a:endParaRPr>
+          </a:p>
+          <a:p>
+            <a:pPr>
+              <a:lnSpc>
+                <a:spcPct val="100000"/>
+              </a:lnSpc>
               <a:spcAft>
                 <a:spcPts val="1417"/>
               </a:spcAft>
-              <a:buClr>
-                <a:srgbClr val="99cc66"/>
-              </a:buClr>
-              <a:buSzPct val="45000"/>
-              <a:buFont typeface="Wingdings" charset="2"/>
-              <a:buChar char=""/>
             </a:pPr>
-            <a:endParaRPr b="0" lang="sv-SE" sz="2600" spc="-1" strike="noStrike">
-              <a:latin typeface="Arial"/>
-            </a:endParaRPr>
-          </a:p>
-          <a:p>
-            <a:pPr marL="432000" indent="-324000" algn="ctr">
+            <a:endParaRPr b="0" lang="sv-SE" sz="1800" spc="-1" strike="noStrike">
+              <a:latin typeface="Arial"/>
+            </a:endParaRPr>
+          </a:p>
+          <a:p>
+            <a:pPr marL="432000" indent="-323640" algn="ctr">
+              <a:lnSpc>
+                <a:spcPct val="100000"/>
+              </a:lnSpc>
               <a:spcAft>
                 <a:spcPts val="1417"/>
               </a:spcAft>
@@ -1988,6 +3556,33 @@
       <p:transition spd="slow"/>
     </mc:Fallback>
   </mc:AlternateContent>
+  <p:timing>
+    <p:tnLst>
+      <p:par>
+        <p:cTn id="19" dur="indefinite" restart="never" nodeType="tmRoot">
+          <p:childTnLst>
+            <p:seq>
+              <p:cTn id="20" dur="indefinite" nodeType="mainSeq"/>
+              <p:prevCondLst>
+                <p:cond delay="0" evt="onPrev">
+                  <p:tgtEl>
+                    <p:sldTgt/>
+                  </p:tgtEl>
+                </p:cond>
+              </p:prevCondLst>
+              <p:nextCondLst>
+                <p:cond delay="0" evt="onNext">
+                  <p:tgtEl>
+                    <p:sldTgt/>
+                  </p:tgtEl>
+                </p:cond>
+              </p:nextCondLst>
+            </p:seq>
+          </p:childTnLst>
+        </p:cTn>
+      </p:par>
+    </p:tnLst>
+  </p:timing>
 </p:sld>
 </file>
 
@@ -2010,14 +3605,14 @@
       </p:grpSpPr>
       <p:sp>
         <p:nvSpPr>
-          <p:cNvPr id="45" name="TextShape 1"/>
-          <p:cNvSpPr txBox="1"/>
+          <p:cNvPr id="81" name="CustomShape 1"/>
+          <p:cNvSpPr/>
           <p:nvPr/>
         </p:nvSpPr>
         <p:spPr>
           <a:xfrm>
             <a:off x="504000" y="576000"/>
-            <a:ext cx="7200000" cy="720000"/>
+            <a:ext cx="7199640" cy="719640"/>
           </a:xfrm>
           <a:prstGeom prst="rect">
             <a:avLst/>
@@ -2027,9 +3622,20 @@
             <a:noFill/>
           </a:ln>
         </p:spPr>
+        <p:style>
+          <a:lnRef idx="0"/>
+          <a:fillRef idx="0"/>
+          <a:effectRef idx="0"/>
+          <a:fontRef idx="minor"/>
+        </p:style>
         <p:txBody>
           <a:bodyPr lIns="0" rIns="0" tIns="0" bIns="0" anchor="ctr"/>
           <a:p>
+            <a:pPr>
+              <a:lnSpc>
+                <a:spcPct val="100000"/>
+              </a:lnSpc>
+            </a:pPr>
             <a:r>
               <a:rPr b="0" lang="sv-SE" sz="3600" spc="-1" strike="noStrike">
                 <a:latin typeface="Arial"/>
@@ -2044,14 +3650,14 @@
       </p:sp>
       <p:sp>
         <p:nvSpPr>
-          <p:cNvPr id="46" name="TextShape 2"/>
-          <p:cNvSpPr txBox="1"/>
+          <p:cNvPr id="82" name="CustomShape 2"/>
+          <p:cNvSpPr/>
           <p:nvPr/>
         </p:nvSpPr>
         <p:spPr>
           <a:xfrm>
             <a:off x="504000" y="1800000"/>
-            <a:ext cx="9072000" cy="4384440"/>
+            <a:ext cx="9071640" cy="4384080"/>
           </a:xfrm>
           <a:prstGeom prst="rect">
             <a:avLst/>
@@ -2061,12 +3667,21 @@
             <a:noFill/>
           </a:ln>
         </p:spPr>
+        <p:style>
+          <a:lnRef idx="0"/>
+          <a:fillRef idx="0"/>
+          <a:effectRef idx="0"/>
+          <a:fontRef idx="minor"/>
+        </p:style>
         <p:txBody>
           <a:bodyPr lIns="0" rIns="0" tIns="0" bIns="0">
             <a:normAutofit/>
           </a:bodyPr>
           <a:p>
-            <a:pPr marL="432000" indent="-324000">
+            <a:pPr marL="432000" indent="-323640">
+              <a:lnSpc>
+                <a:spcPct val="100000"/>
+              </a:lnSpc>
               <a:spcAft>
                 <a:spcPts val="1417"/>
               </a:spcAft>
@@ -2088,23 +3703,23 @@
             </a:endParaRPr>
           </a:p>
           <a:p>
-            <a:pPr marL="432000" indent="-324000">
+            <a:pPr>
+              <a:lnSpc>
+                <a:spcPct val="100000"/>
+              </a:lnSpc>
               <a:spcAft>
                 <a:spcPts val="1417"/>
               </a:spcAft>
-              <a:buClr>
-                <a:srgbClr val="99cc66"/>
-              </a:buClr>
-              <a:buSzPct val="45000"/>
-              <a:buFont typeface="Wingdings" charset="2"/>
-              <a:buChar char=""/>
             </a:pPr>
             <a:endParaRPr b="0" lang="sv-SE" sz="2600" spc="-1" strike="noStrike">
               <a:latin typeface="Arial"/>
             </a:endParaRPr>
           </a:p>
           <a:p>
-            <a:pPr marL="432000" indent="-324000">
+            <a:pPr marL="432000" indent="-323640">
+              <a:lnSpc>
+                <a:spcPct val="100000"/>
+              </a:lnSpc>
               <a:spcAft>
                 <a:spcPts val="1417"/>
               </a:spcAft>
@@ -2126,23 +3741,23 @@
             </a:endParaRPr>
           </a:p>
           <a:p>
-            <a:pPr marL="432000" indent="-324000">
+            <a:pPr>
+              <a:lnSpc>
+                <a:spcPct val="100000"/>
+              </a:lnSpc>
               <a:spcAft>
                 <a:spcPts val="1417"/>
               </a:spcAft>
-              <a:buClr>
-                <a:srgbClr val="99cc66"/>
-              </a:buClr>
-              <a:buSzPct val="45000"/>
-              <a:buFont typeface="Wingdings" charset="2"/>
-              <a:buChar char=""/>
             </a:pPr>
             <a:endParaRPr b="0" lang="sv-SE" sz="2600" spc="-1" strike="noStrike">
               <a:latin typeface="Arial"/>
             </a:endParaRPr>
           </a:p>
           <a:p>
-            <a:pPr marL="432000" indent="-324000">
+            <a:pPr marL="432000" indent="-323640">
+              <a:lnSpc>
+                <a:spcPct val="100000"/>
+              </a:lnSpc>
               <a:spcAft>
                 <a:spcPts val="1417"/>
               </a:spcAft>
@@ -2164,23 +3779,23 @@
             </a:endParaRPr>
           </a:p>
           <a:p>
-            <a:pPr marL="432000" indent="-324000">
+            <a:pPr>
+              <a:lnSpc>
+                <a:spcPct val="100000"/>
+              </a:lnSpc>
               <a:spcAft>
                 <a:spcPts val="1417"/>
               </a:spcAft>
-              <a:buClr>
-                <a:srgbClr val="99cc66"/>
-              </a:buClr>
-              <a:buSzPct val="45000"/>
-              <a:buFont typeface="Wingdings" charset="2"/>
-              <a:buChar char=""/>
             </a:pPr>
             <a:endParaRPr b="0" lang="sv-SE" sz="2600" spc="-1" strike="noStrike">
               <a:latin typeface="Arial"/>
             </a:endParaRPr>
           </a:p>
           <a:p>
-            <a:pPr marL="432000" indent="-324000">
+            <a:pPr marL="432000" indent="-323640">
+              <a:lnSpc>
+                <a:spcPct val="100000"/>
+              </a:lnSpc>
               <a:spcAft>
                 <a:spcPts val="1417"/>
               </a:spcAft>
@@ -2213,6 +3828,33 @@
       <p:transition spd="slow"/>
     </mc:Fallback>
   </mc:AlternateContent>
+  <p:timing>
+    <p:tnLst>
+      <p:par>
+        <p:cTn id="3" dur="indefinite" restart="never" nodeType="tmRoot">
+          <p:childTnLst>
+            <p:seq>
+              <p:cTn id="4" dur="indefinite" nodeType="mainSeq"/>
+              <p:prevCondLst>
+                <p:cond delay="0" evt="onPrev">
+                  <p:tgtEl>
+                    <p:sldTgt/>
+                  </p:tgtEl>
+                </p:cond>
+              </p:prevCondLst>
+              <p:nextCondLst>
+                <p:cond delay="0" evt="onNext">
+                  <p:tgtEl>
+                    <p:sldTgt/>
+                  </p:tgtEl>
+                </p:cond>
+              </p:nextCondLst>
+            </p:seq>
+          </p:childTnLst>
+        </p:cTn>
+      </p:par>
+    </p:tnLst>
+  </p:timing>
 </p:sld>
 </file>
 
@@ -2235,14 +3877,14 @@
       </p:grpSpPr>
       <p:sp>
         <p:nvSpPr>
-          <p:cNvPr id="47" name="TextShape 1"/>
-          <p:cNvSpPr txBox="1"/>
+          <p:cNvPr id="83" name="CustomShape 1"/>
+          <p:cNvSpPr/>
           <p:nvPr/>
         </p:nvSpPr>
         <p:spPr>
           <a:xfrm>
             <a:off x="504000" y="576000"/>
-            <a:ext cx="7200000" cy="720000"/>
+            <a:ext cx="7199640" cy="719640"/>
           </a:xfrm>
           <a:prstGeom prst="rect">
             <a:avLst/>
@@ -2252,9 +3894,20 @@
             <a:noFill/>
           </a:ln>
         </p:spPr>
+        <p:style>
+          <a:lnRef idx="0"/>
+          <a:fillRef idx="0"/>
+          <a:effectRef idx="0"/>
+          <a:fontRef idx="minor"/>
+        </p:style>
         <p:txBody>
           <a:bodyPr lIns="0" rIns="0" tIns="0" bIns="0" anchor="ctr"/>
           <a:p>
+            <a:pPr>
+              <a:lnSpc>
+                <a:spcPct val="100000"/>
+              </a:lnSpc>
+            </a:pPr>
             <a:r>
               <a:rPr b="0" lang="sv-SE" sz="3600" spc="-1" strike="noStrike">
                 <a:latin typeface="Arial"/>
@@ -2269,14 +3922,14 @@
       </p:sp>
       <p:sp>
         <p:nvSpPr>
-          <p:cNvPr id="48" name="TextShape 2"/>
-          <p:cNvSpPr txBox="1"/>
+          <p:cNvPr id="84" name="CustomShape 2"/>
+          <p:cNvSpPr/>
           <p:nvPr/>
         </p:nvSpPr>
         <p:spPr>
           <a:xfrm>
             <a:off x="504000" y="1800000"/>
-            <a:ext cx="9072000" cy="4384440"/>
+            <a:ext cx="9071640" cy="4384080"/>
           </a:xfrm>
           <a:prstGeom prst="rect">
             <a:avLst/>
@@ -2286,12 +3939,21 @@
             <a:noFill/>
           </a:ln>
         </p:spPr>
+        <p:style>
+          <a:lnRef idx="0"/>
+          <a:fillRef idx="0"/>
+          <a:effectRef idx="0"/>
+          <a:fontRef idx="minor"/>
+        </p:style>
         <p:txBody>
           <a:bodyPr lIns="0" rIns="0" tIns="0" bIns="0">
             <a:normAutofit/>
           </a:bodyPr>
           <a:p>
-            <a:pPr marL="432000" indent="-324000">
+            <a:pPr marL="432000" indent="-323640">
+              <a:lnSpc>
+                <a:spcPct val="100000"/>
+              </a:lnSpc>
               <a:spcAft>
                 <a:spcPts val="1417"/>
               </a:spcAft>
@@ -2313,7 +3975,10 @@
             </a:endParaRPr>
           </a:p>
           <a:p>
-            <a:pPr marL="432000" indent="-324000">
+            <a:pPr marL="432000" indent="-323640">
+              <a:lnSpc>
+                <a:spcPct val="100000"/>
+              </a:lnSpc>
               <a:spcAft>
                 <a:spcPts val="1417"/>
               </a:spcAft>
@@ -2335,7 +4000,10 @@
             </a:endParaRPr>
           </a:p>
           <a:p>
-            <a:pPr marL="432000" indent="-324000">
+            <a:pPr marL="432000" indent="-323640">
+              <a:lnSpc>
+                <a:spcPct val="100000"/>
+              </a:lnSpc>
               <a:spcAft>
                 <a:spcPts val="1417"/>
               </a:spcAft>
@@ -2357,7 +4025,10 @@
             </a:endParaRPr>
           </a:p>
           <a:p>
-            <a:pPr marL="432000" indent="-324000">
+            <a:pPr marL="432000" indent="-323640">
+              <a:lnSpc>
+                <a:spcPct val="100000"/>
+              </a:lnSpc>
               <a:spcAft>
                 <a:spcPts val="1417"/>
               </a:spcAft>
@@ -2372,14 +4043,17 @@
               <a:rPr b="0" lang="sv-SE" sz="2600" spc="-1" strike="noStrike">
                 <a:latin typeface="Arial"/>
               </a:rPr>
-              <a:t>PlayerPrefs som håller på i allt mellan spelsessioner</a:t>
+              <a:t>PlayerPrefs som håller reda på i allt mellan spelsessioner</a:t>
             </a:r>
             <a:endParaRPr b="0" lang="sv-SE" sz="2600" spc="-1" strike="noStrike">
               <a:latin typeface="Arial"/>
             </a:endParaRPr>
           </a:p>
           <a:p>
-            <a:pPr marL="432000" indent="-324000">
+            <a:pPr marL="432000" indent="-323640">
+              <a:lnSpc>
+                <a:spcPct val="100000"/>
+              </a:lnSpc>
               <a:spcAft>
                 <a:spcPts val="1417"/>
               </a:spcAft>
@@ -2401,7 +4075,10 @@
             </a:endParaRPr>
           </a:p>
           <a:p>
-            <a:pPr marL="432000" indent="-324000">
+            <a:pPr marL="432000" indent="-323640">
+              <a:lnSpc>
+                <a:spcPct val="100000"/>
+              </a:lnSpc>
               <a:spcAft>
                 <a:spcPts val="1417"/>
               </a:spcAft>
@@ -2434,6 +4111,33 @@
       <p:transition spd="slow"/>
     </mc:Fallback>
   </mc:AlternateContent>
+  <p:timing>
+    <p:tnLst>
+      <p:par>
+        <p:cTn id="5" dur="indefinite" restart="never" nodeType="tmRoot">
+          <p:childTnLst>
+            <p:seq>
+              <p:cTn id="6" dur="indefinite" nodeType="mainSeq"/>
+              <p:prevCondLst>
+                <p:cond delay="0" evt="onPrev">
+                  <p:tgtEl>
+                    <p:sldTgt/>
+                  </p:tgtEl>
+                </p:cond>
+              </p:prevCondLst>
+              <p:nextCondLst>
+                <p:cond delay="0" evt="onNext">
+                  <p:tgtEl>
+                    <p:sldTgt/>
+                  </p:tgtEl>
+                </p:cond>
+              </p:nextCondLst>
+            </p:seq>
+          </p:childTnLst>
+        </p:cTn>
+      </p:par>
+    </p:tnLst>
+  </p:timing>
 </p:sld>
 </file>
 
@@ -2456,14 +4160,14 @@
       </p:grpSpPr>
       <p:sp>
         <p:nvSpPr>
-          <p:cNvPr id="49" name="TextShape 1"/>
-          <p:cNvSpPr txBox="1"/>
+          <p:cNvPr id="85" name="CustomShape 1"/>
+          <p:cNvSpPr/>
           <p:nvPr/>
         </p:nvSpPr>
         <p:spPr>
           <a:xfrm>
             <a:off x="504000" y="576000"/>
-            <a:ext cx="7200000" cy="720000"/>
+            <a:ext cx="7199640" cy="719640"/>
           </a:xfrm>
           <a:prstGeom prst="rect">
             <a:avLst/>
@@ -2473,9 +4177,20 @@
             <a:noFill/>
           </a:ln>
         </p:spPr>
+        <p:style>
+          <a:lnRef idx="0"/>
+          <a:fillRef idx="0"/>
+          <a:effectRef idx="0"/>
+          <a:fontRef idx="minor"/>
+        </p:style>
         <p:txBody>
           <a:bodyPr lIns="0" rIns="0" tIns="0" bIns="0" anchor="ctr"/>
           <a:p>
+            <a:pPr>
+              <a:lnSpc>
+                <a:spcPct val="100000"/>
+              </a:lnSpc>
+            </a:pPr>
             <a:r>
               <a:rPr b="0" lang="sv-SE" sz="3600" spc="-1" strike="noStrike">
                 <a:latin typeface="Arial"/>
@@ -2490,14 +4205,14 @@
       </p:sp>
       <p:sp>
         <p:nvSpPr>
-          <p:cNvPr id="50" name="TextShape 2"/>
-          <p:cNvSpPr txBox="1"/>
+          <p:cNvPr id="86" name="CustomShape 2"/>
+          <p:cNvSpPr/>
           <p:nvPr/>
         </p:nvSpPr>
         <p:spPr>
           <a:xfrm>
             <a:off x="504000" y="1800000"/>
-            <a:ext cx="9072000" cy="4384440"/>
+            <a:ext cx="9071640" cy="4384080"/>
           </a:xfrm>
           <a:prstGeom prst="rect">
             <a:avLst/>
@@ -2507,12 +4222,21 @@
             <a:noFill/>
           </a:ln>
         </p:spPr>
+        <p:style>
+          <a:lnRef idx="0"/>
+          <a:fillRef idx="0"/>
+          <a:effectRef idx="0"/>
+          <a:fontRef idx="minor"/>
+        </p:style>
         <p:txBody>
           <a:bodyPr lIns="0" rIns="0" tIns="0" bIns="0">
             <a:normAutofit/>
           </a:bodyPr>
           <a:p>
-            <a:pPr marL="432000" indent="-324000">
+            <a:pPr marL="432000" indent="-323640">
+              <a:lnSpc>
+                <a:spcPct val="100000"/>
+              </a:lnSpc>
               <a:spcAft>
                 <a:spcPts val="1417"/>
               </a:spcAft>
@@ -2534,23 +4258,23 @@
             </a:endParaRPr>
           </a:p>
           <a:p>
-            <a:pPr marL="432000" indent="-324000">
+            <a:pPr>
+              <a:lnSpc>
+                <a:spcPct val="100000"/>
+              </a:lnSpc>
               <a:spcAft>
                 <a:spcPts val="1417"/>
               </a:spcAft>
-              <a:buClr>
-                <a:srgbClr val="99cc66"/>
-              </a:buClr>
-              <a:buSzPct val="45000"/>
-              <a:buFont typeface="Wingdings" charset="2"/>
-              <a:buChar char=""/>
             </a:pPr>
             <a:endParaRPr b="0" lang="sv-SE" sz="2600" spc="-1" strike="noStrike">
               <a:latin typeface="Arial"/>
             </a:endParaRPr>
           </a:p>
           <a:p>
-            <a:pPr marL="432000" indent="-324000">
+            <a:pPr marL="432000" indent="-323640">
+              <a:lnSpc>
+                <a:spcPct val="100000"/>
+              </a:lnSpc>
               <a:spcAft>
                 <a:spcPts val="1417"/>
               </a:spcAft>
@@ -2572,23 +4296,23 @@
             </a:endParaRPr>
           </a:p>
           <a:p>
-            <a:pPr marL="432000" indent="-324000">
+            <a:pPr>
+              <a:lnSpc>
+                <a:spcPct val="100000"/>
+              </a:lnSpc>
               <a:spcAft>
                 <a:spcPts val="1417"/>
               </a:spcAft>
-              <a:buClr>
-                <a:srgbClr val="99cc66"/>
-              </a:buClr>
-              <a:buSzPct val="45000"/>
-              <a:buFont typeface="Wingdings" charset="2"/>
-              <a:buChar char=""/>
             </a:pPr>
             <a:endParaRPr b="0" lang="sv-SE" sz="2600" spc="-1" strike="noStrike">
               <a:latin typeface="Arial"/>
             </a:endParaRPr>
           </a:p>
           <a:p>
-            <a:pPr marL="432000" indent="-324000">
+            <a:pPr marL="432000" indent="-323640">
+              <a:lnSpc>
+                <a:spcPct val="100000"/>
+              </a:lnSpc>
               <a:spcAft>
                 <a:spcPts val="1417"/>
               </a:spcAft>
@@ -2610,7 +4334,10 @@
             </a:endParaRPr>
           </a:p>
           <a:p>
-            <a:pPr marL="432000" indent="-324000">
+            <a:pPr marL="432000" indent="-323640">
+              <a:lnSpc>
+                <a:spcPct val="100000"/>
+              </a:lnSpc>
               <a:spcAft>
                 <a:spcPts val="1417"/>
               </a:spcAft>
@@ -2643,6 +4370,33 @@
       <p:transition spd="slow"/>
     </mc:Fallback>
   </mc:AlternateContent>
+  <p:timing>
+    <p:tnLst>
+      <p:par>
+        <p:cTn id="7" dur="indefinite" restart="never" nodeType="tmRoot">
+          <p:childTnLst>
+            <p:seq>
+              <p:cTn id="8" dur="indefinite" nodeType="mainSeq"/>
+              <p:prevCondLst>
+                <p:cond delay="0" evt="onPrev">
+                  <p:tgtEl>
+                    <p:sldTgt/>
+                  </p:tgtEl>
+                </p:cond>
+              </p:prevCondLst>
+              <p:nextCondLst>
+                <p:cond delay="0" evt="onNext">
+                  <p:tgtEl>
+                    <p:sldTgt/>
+                  </p:tgtEl>
+                </p:cond>
+              </p:nextCondLst>
+            </p:seq>
+          </p:childTnLst>
+        </p:cTn>
+      </p:par>
+    </p:tnLst>
+  </p:timing>
 </p:sld>
 </file>
 
@@ -2665,14 +4419,14 @@
       </p:grpSpPr>
       <p:sp>
         <p:nvSpPr>
-          <p:cNvPr id="51" name="TextShape 1"/>
-          <p:cNvSpPr txBox="1"/>
+          <p:cNvPr id="87" name="CustomShape 1"/>
+          <p:cNvSpPr/>
           <p:nvPr/>
         </p:nvSpPr>
         <p:spPr>
           <a:xfrm>
             <a:off x="504000" y="576000"/>
-            <a:ext cx="7200000" cy="720000"/>
+            <a:ext cx="7199640" cy="719640"/>
           </a:xfrm>
           <a:prstGeom prst="rect">
             <a:avLst/>
@@ -2682,9 +4436,20 @@
             <a:noFill/>
           </a:ln>
         </p:spPr>
+        <p:style>
+          <a:lnRef idx="0"/>
+          <a:fillRef idx="0"/>
+          <a:effectRef idx="0"/>
+          <a:fontRef idx="minor"/>
+        </p:style>
         <p:txBody>
           <a:bodyPr lIns="0" rIns="0" tIns="0" bIns="0" anchor="ctr"/>
           <a:p>
+            <a:pPr>
+              <a:lnSpc>
+                <a:spcPct val="100000"/>
+              </a:lnSpc>
+            </a:pPr>
             <a:r>
               <a:rPr b="0" lang="sv-SE" sz="3600" spc="-1" strike="noStrike">
                 <a:latin typeface="Arial"/>
@@ -2699,14 +4464,14 @@
       </p:sp>
       <p:sp>
         <p:nvSpPr>
-          <p:cNvPr id="52" name="TextShape 2"/>
-          <p:cNvSpPr txBox="1"/>
+          <p:cNvPr id="88" name="CustomShape 2"/>
+          <p:cNvSpPr/>
           <p:nvPr/>
         </p:nvSpPr>
         <p:spPr>
           <a:xfrm>
             <a:off x="504000" y="1800000"/>
-            <a:ext cx="9072000" cy="4384440"/>
+            <a:ext cx="9071640" cy="4384080"/>
           </a:xfrm>
           <a:prstGeom prst="rect">
             <a:avLst/>
@@ -2716,12 +4481,21 @@
             <a:noFill/>
           </a:ln>
         </p:spPr>
+        <p:style>
+          <a:lnRef idx="0"/>
+          <a:fillRef idx="0"/>
+          <a:effectRef idx="0"/>
+          <a:fontRef idx="minor"/>
+        </p:style>
         <p:txBody>
           <a:bodyPr lIns="0" rIns="0" tIns="0" bIns="0">
             <a:normAutofit/>
           </a:bodyPr>
           <a:p>
-            <a:pPr marL="432000" indent="-324000">
+            <a:pPr marL="432000" indent="-323640">
+              <a:lnSpc>
+                <a:spcPct val="100000"/>
+              </a:lnSpc>
               <a:spcAft>
                 <a:spcPts val="1417"/>
               </a:spcAft>
@@ -2743,7 +4517,10 @@
             </a:endParaRPr>
           </a:p>
           <a:p>
-            <a:pPr marL="432000" indent="-324000">
+            <a:pPr marL="432000" indent="-323640">
+              <a:lnSpc>
+                <a:spcPct val="100000"/>
+              </a:lnSpc>
               <a:spcAft>
                 <a:spcPts val="1417"/>
               </a:spcAft>
@@ -2765,7 +4542,29 @@
             </a:endParaRPr>
           </a:p>
           <a:p>
-            <a:pPr marL="432000" indent="-324000">
+            <a:pPr marL="432000" indent="-323640">
+              <a:lnSpc>
+                <a:spcPct val="100000"/>
+              </a:lnSpc>
+              <a:spcAft>
+                <a:spcPts val="1417"/>
+              </a:spcAft>
+              <a:buClr>
+                <a:srgbClr val="99cc66"/>
+              </a:buClr>
+              <a:buSzPct val="45000"/>
+              <a:buFont typeface="Wingdings" charset="2"/>
+              <a:buChar char=""/>
+            </a:pPr>
+            <a:endParaRPr b="0" lang="sv-SE" sz="1800" spc="-1" strike="noStrike">
+              <a:latin typeface="Arial"/>
+            </a:endParaRPr>
+          </a:p>
+          <a:p>
+            <a:pPr marL="432000" indent="-323640">
+              <a:lnSpc>
+                <a:spcPct val="100000"/>
+              </a:lnSpc>
               <a:spcAft>
                 <a:spcPts val="1417"/>
               </a:spcAft>
@@ -2787,7 +4586,10 @@
             </a:endParaRPr>
           </a:p>
           <a:p>
-            <a:pPr marL="432000" indent="-324000">
+            <a:pPr marL="432000" indent="-323640">
+              <a:lnSpc>
+                <a:spcPct val="100000"/>
+              </a:lnSpc>
               <a:spcAft>
                 <a:spcPts val="1417"/>
               </a:spcAft>
@@ -2809,7 +4611,29 @@
             </a:endParaRPr>
           </a:p>
           <a:p>
-            <a:pPr marL="432000" indent="-324000">
+            <a:pPr marL="432000" indent="-323640">
+              <a:lnSpc>
+                <a:spcPct val="100000"/>
+              </a:lnSpc>
+              <a:spcAft>
+                <a:spcPts val="1417"/>
+              </a:spcAft>
+              <a:buClr>
+                <a:srgbClr val="99cc66"/>
+              </a:buClr>
+              <a:buSzPct val="45000"/>
+              <a:buFont typeface="Wingdings" charset="2"/>
+              <a:buChar char=""/>
+            </a:pPr>
+            <a:endParaRPr b="0" lang="sv-SE" sz="1800" spc="-1" strike="noStrike">
+              <a:latin typeface="Arial"/>
+            </a:endParaRPr>
+          </a:p>
+          <a:p>
+            <a:pPr marL="432000" indent="-323640">
+              <a:lnSpc>
+                <a:spcPct val="100000"/>
+              </a:lnSpc>
               <a:spcAft>
                 <a:spcPts val="1417"/>
               </a:spcAft>
@@ -2831,7 +4655,10 @@
             </a:endParaRPr>
           </a:p>
           <a:p>
-            <a:pPr marL="432000" indent="-324000">
+            <a:pPr marL="432000" indent="-323640">
+              <a:lnSpc>
+                <a:spcPct val="100000"/>
+              </a:lnSpc>
               <a:spcAft>
                 <a:spcPts val="1417"/>
               </a:spcAft>
@@ -2864,6 +4691,33 @@
       <p:transition spd="slow"/>
     </mc:Fallback>
   </mc:AlternateContent>
+  <p:timing>
+    <p:tnLst>
+      <p:par>
+        <p:cTn id="9" dur="indefinite" restart="never" nodeType="tmRoot">
+          <p:childTnLst>
+            <p:seq>
+              <p:cTn id="10" dur="indefinite" nodeType="mainSeq"/>
+              <p:prevCondLst>
+                <p:cond delay="0" evt="onPrev">
+                  <p:tgtEl>
+                    <p:sldTgt/>
+                  </p:tgtEl>
+                </p:cond>
+              </p:prevCondLst>
+              <p:nextCondLst>
+                <p:cond delay="0" evt="onNext">
+                  <p:tgtEl>
+                    <p:sldTgt/>
+                  </p:tgtEl>
+                </p:cond>
+              </p:nextCondLst>
+            </p:seq>
+          </p:childTnLst>
+        </p:cTn>
+      </p:par>
+    </p:tnLst>
+  </p:timing>
 </p:sld>
 </file>
 
@@ -2886,14 +4740,14 @@
       </p:grpSpPr>
       <p:sp>
         <p:nvSpPr>
-          <p:cNvPr id="53" name="TextShape 1"/>
-          <p:cNvSpPr txBox="1"/>
+          <p:cNvPr id="89" name="CustomShape 1"/>
+          <p:cNvSpPr/>
           <p:nvPr/>
         </p:nvSpPr>
         <p:spPr>
           <a:xfrm>
             <a:off x="504000" y="576000"/>
-            <a:ext cx="7200000" cy="720000"/>
+            <a:ext cx="7199640" cy="719640"/>
           </a:xfrm>
           <a:prstGeom prst="rect">
             <a:avLst/>
@@ -2903,9 +4757,20 @@
             <a:noFill/>
           </a:ln>
         </p:spPr>
+        <p:style>
+          <a:lnRef idx="0"/>
+          <a:fillRef idx="0"/>
+          <a:effectRef idx="0"/>
+          <a:fontRef idx="minor"/>
+        </p:style>
         <p:txBody>
           <a:bodyPr lIns="0" rIns="0" tIns="0" bIns="0" anchor="ctr"/>
           <a:p>
+            <a:pPr>
+              <a:lnSpc>
+                <a:spcPct val="100000"/>
+              </a:lnSpc>
+            </a:pPr>
             <a:r>
               <a:rPr b="0" lang="sv-SE" sz="3600" spc="-1" strike="noStrike">
                 <a:latin typeface="Arial"/>
@@ -2920,7 +4785,7 @@
       </p:sp>
       <p:pic>
         <p:nvPicPr>
-          <p:cNvPr id="54" name="" descr=""/>
+          <p:cNvPr id="90" name="" descr=""/>
           <p:cNvPicPr/>
           <p:nvPr/>
         </p:nvPicPr>
@@ -2931,7 +4796,7 @@
         <p:spPr>
           <a:xfrm>
             <a:off x="1656000" y="1512000"/>
-            <a:ext cx="2486520" cy="5120640"/>
+            <a:ext cx="2486160" cy="5120280"/>
           </a:xfrm>
           <a:prstGeom prst="rect">
             <a:avLst/>
@@ -2943,7 +4808,7 @@
       </p:pic>
       <p:pic>
         <p:nvPicPr>
-          <p:cNvPr id="55" name="" descr=""/>
+          <p:cNvPr id="91" name="" descr=""/>
           <p:cNvPicPr/>
           <p:nvPr/>
         </p:nvPicPr>
@@ -2954,7 +4819,7 @@
         <p:spPr>
           <a:xfrm>
             <a:off x="5328000" y="1512360"/>
-            <a:ext cx="2471400" cy="5190840"/>
+            <a:ext cx="2471040" cy="5190480"/>
           </a:xfrm>
           <a:prstGeom prst="rect">
             <a:avLst/>
@@ -2974,6 +4839,33 @@
       <p:transition spd="slow"/>
     </mc:Fallback>
   </mc:AlternateContent>
+  <p:timing>
+    <p:tnLst>
+      <p:par>
+        <p:cTn id="11" dur="indefinite" restart="never" nodeType="tmRoot">
+          <p:childTnLst>
+            <p:seq>
+              <p:cTn id="12" dur="indefinite" nodeType="mainSeq"/>
+              <p:prevCondLst>
+                <p:cond delay="0" evt="onPrev">
+                  <p:tgtEl>
+                    <p:sldTgt/>
+                  </p:tgtEl>
+                </p:cond>
+              </p:prevCondLst>
+              <p:nextCondLst>
+                <p:cond delay="0" evt="onNext">
+                  <p:tgtEl>
+                    <p:sldTgt/>
+                  </p:tgtEl>
+                </p:cond>
+              </p:nextCondLst>
+            </p:seq>
+          </p:childTnLst>
+        </p:cTn>
+      </p:par>
+    </p:tnLst>
+  </p:timing>
 </p:sld>
 </file>
 
@@ -2996,14 +4888,14 @@
       </p:grpSpPr>
       <p:sp>
         <p:nvSpPr>
-          <p:cNvPr id="56" name="TextShape 1"/>
-          <p:cNvSpPr txBox="1"/>
+          <p:cNvPr id="92" name="CustomShape 1"/>
+          <p:cNvSpPr/>
           <p:nvPr/>
         </p:nvSpPr>
         <p:spPr>
           <a:xfrm>
             <a:off x="504000" y="576000"/>
-            <a:ext cx="7200000" cy="720000"/>
+            <a:ext cx="7199640" cy="719640"/>
           </a:xfrm>
           <a:prstGeom prst="rect">
             <a:avLst/>
@@ -3013,9 +4905,20 @@
             <a:noFill/>
           </a:ln>
         </p:spPr>
+        <p:style>
+          <a:lnRef idx="0"/>
+          <a:fillRef idx="0"/>
+          <a:effectRef idx="0"/>
+          <a:fontRef idx="minor"/>
+        </p:style>
         <p:txBody>
           <a:bodyPr lIns="0" rIns="0" tIns="0" bIns="0" anchor="ctr"/>
           <a:p>
+            <a:pPr>
+              <a:lnSpc>
+                <a:spcPct val="100000"/>
+              </a:lnSpc>
+            </a:pPr>
             <a:r>
               <a:rPr b="0" lang="sv-SE" sz="3600" spc="-1" strike="noStrike">
                 <a:latin typeface="Arial"/>
@@ -3030,7 +4933,7 @@
       </p:sp>
       <p:pic>
         <p:nvPicPr>
-          <p:cNvPr id="57" name="" descr=""/>
+          <p:cNvPr id="93" name="" descr=""/>
           <p:cNvPicPr/>
           <p:nvPr/>
         </p:nvPicPr>
@@ -3041,7 +4944,7 @@
         <p:spPr>
           <a:xfrm>
             <a:off x="5065920" y="1512360"/>
-            <a:ext cx="2494080" cy="5183640"/>
+            <a:ext cx="2493720" cy="5183280"/>
           </a:xfrm>
           <a:prstGeom prst="rect">
             <a:avLst/>
@@ -3053,7 +4956,7 @@
       </p:pic>
       <p:pic>
         <p:nvPicPr>
-          <p:cNvPr id="58" name="" descr=""/>
+          <p:cNvPr id="94" name="" descr=""/>
           <p:cNvPicPr/>
           <p:nvPr/>
         </p:nvPicPr>
@@ -3064,7 +4967,7 @@
         <p:spPr>
           <a:xfrm>
             <a:off x="1008000" y="1512000"/>
-            <a:ext cx="3493800" cy="5222880"/>
+            <a:ext cx="3493440" cy="5222520"/>
           </a:xfrm>
           <a:prstGeom prst="rect">
             <a:avLst/>
@@ -3084,6 +4987,33 @@
       <p:transition spd="slow"/>
     </mc:Fallback>
   </mc:AlternateContent>
+  <p:timing>
+    <p:tnLst>
+      <p:par>
+        <p:cTn id="13" dur="indefinite" restart="never" nodeType="tmRoot">
+          <p:childTnLst>
+            <p:seq>
+              <p:cTn id="14" dur="indefinite" nodeType="mainSeq"/>
+              <p:prevCondLst>
+                <p:cond delay="0" evt="onPrev">
+                  <p:tgtEl>
+                    <p:sldTgt/>
+                  </p:tgtEl>
+                </p:cond>
+              </p:prevCondLst>
+              <p:nextCondLst>
+                <p:cond delay="0" evt="onNext">
+                  <p:tgtEl>
+                    <p:sldTgt/>
+                  </p:tgtEl>
+                </p:cond>
+              </p:nextCondLst>
+            </p:seq>
+          </p:childTnLst>
+        </p:cTn>
+      </p:par>
+    </p:tnLst>
+  </p:timing>
 </p:sld>
 </file>
 
@@ -3106,14 +5036,14 @@
       </p:grpSpPr>
       <p:sp>
         <p:nvSpPr>
-          <p:cNvPr id="59" name="TextShape 1"/>
-          <p:cNvSpPr txBox="1"/>
+          <p:cNvPr id="95" name="CustomShape 1"/>
+          <p:cNvSpPr/>
           <p:nvPr/>
         </p:nvSpPr>
         <p:spPr>
           <a:xfrm>
             <a:off x="504000" y="576000"/>
-            <a:ext cx="7200000" cy="720000"/>
+            <a:ext cx="7199640" cy="719640"/>
           </a:xfrm>
           <a:prstGeom prst="rect">
             <a:avLst/>
@@ -3123,9 +5053,20 @@
             <a:noFill/>
           </a:ln>
         </p:spPr>
+        <p:style>
+          <a:lnRef idx="0"/>
+          <a:fillRef idx="0"/>
+          <a:effectRef idx="0"/>
+          <a:fontRef idx="minor"/>
+        </p:style>
         <p:txBody>
           <a:bodyPr lIns="0" rIns="0" tIns="0" bIns="0" anchor="ctr"/>
           <a:p>
+            <a:pPr>
+              <a:lnSpc>
+                <a:spcPct val="100000"/>
+              </a:lnSpc>
+            </a:pPr>
             <a:r>
               <a:rPr b="0" lang="sv-SE" sz="3600" spc="-1" strike="noStrike">
                 <a:latin typeface="Arial"/>
@@ -3140,7 +5081,7 @@
       </p:sp>
       <p:pic>
         <p:nvPicPr>
-          <p:cNvPr id="60" name="" descr=""/>
+          <p:cNvPr id="96" name="" descr=""/>
           <p:cNvPicPr/>
           <p:nvPr/>
         </p:nvPicPr>
@@ -3151,7 +5092,7 @@
         <p:spPr>
           <a:xfrm>
             <a:off x="4352760" y="1656000"/>
-            <a:ext cx="3135240" cy="5111640"/>
+            <a:ext cx="3134880" cy="5111280"/>
           </a:xfrm>
           <a:prstGeom prst="rect">
             <a:avLst/>
@@ -3163,7 +5104,7 @@
       </p:pic>
       <p:pic>
         <p:nvPicPr>
-          <p:cNvPr id="61" name="" descr=""/>
+          <p:cNvPr id="97" name="" descr=""/>
           <p:cNvPicPr/>
           <p:nvPr/>
         </p:nvPicPr>
@@ -3174,7 +5115,7 @@
         <p:spPr>
           <a:xfrm>
             <a:off x="682920" y="1656000"/>
-            <a:ext cx="3349080" cy="5077080"/>
+            <a:ext cx="3348720" cy="5076720"/>
           </a:xfrm>
           <a:prstGeom prst="rect">
             <a:avLst/>
@@ -3194,6 +5135,33 @@
       <p:transition spd="slow"/>
     </mc:Fallback>
   </mc:AlternateContent>
+  <p:timing>
+    <p:tnLst>
+      <p:par>
+        <p:cTn id="15" dur="indefinite" restart="never" nodeType="tmRoot">
+          <p:childTnLst>
+            <p:seq>
+              <p:cTn id="16" dur="indefinite" nodeType="mainSeq"/>
+              <p:prevCondLst>
+                <p:cond delay="0" evt="onPrev">
+                  <p:tgtEl>
+                    <p:sldTgt/>
+                  </p:tgtEl>
+                </p:cond>
+              </p:prevCondLst>
+              <p:nextCondLst>
+                <p:cond delay="0" evt="onNext">
+                  <p:tgtEl>
+                    <p:sldTgt/>
+                  </p:tgtEl>
+                </p:cond>
+              </p:nextCondLst>
+            </p:seq>
+          </p:childTnLst>
+        </p:cTn>
+      </p:par>
+    </p:tnLst>
+  </p:timing>
 </p:sld>
 </file>
 
@@ -3216,14 +5184,14 @@
       </p:grpSpPr>
       <p:sp>
         <p:nvSpPr>
-          <p:cNvPr id="62" name="TextShape 1"/>
-          <p:cNvSpPr txBox="1"/>
+          <p:cNvPr id="98" name="CustomShape 1"/>
+          <p:cNvSpPr/>
           <p:nvPr/>
         </p:nvSpPr>
         <p:spPr>
           <a:xfrm>
             <a:off x="1368000" y="3456000"/>
-            <a:ext cx="7200000" cy="720000"/>
+            <a:ext cx="7199640" cy="719640"/>
           </a:xfrm>
           <a:prstGeom prst="rect">
             <a:avLst/>
@@ -3233,10 +5201,20 @@
             <a:noFill/>
           </a:ln>
         </p:spPr>
+        <p:style>
+          <a:lnRef idx="0"/>
+          <a:fillRef idx="0"/>
+          <a:effectRef idx="0"/>
+          <a:fontRef idx="minor"/>
+        </p:style>
         <p:txBody>
           <a:bodyPr lIns="0" rIns="0" tIns="0" bIns="0" anchor="ctr"/>
           <a:p>
-            <a:pPr algn="ctr"/>
+            <a:pPr algn="ctr">
+              <a:lnSpc>
+                <a:spcPct val="100000"/>
+              </a:lnSpc>
+            </a:pPr>
             <a:r>
               <a:rPr b="0" lang="sv-SE" sz="3600" spc="-1" strike="noStrike">
                 <a:latin typeface="Arial"/>
@@ -3259,6 +5237,33 @@
       <p:transition spd="slow"/>
     </mc:Fallback>
   </mc:AlternateContent>
+  <p:timing>
+    <p:tnLst>
+      <p:par>
+        <p:cTn id="17" dur="indefinite" restart="never" nodeType="tmRoot">
+          <p:childTnLst>
+            <p:seq>
+              <p:cTn id="18" dur="indefinite" nodeType="mainSeq"/>
+              <p:prevCondLst>
+                <p:cond delay="0" evt="onPrev">
+                  <p:tgtEl>
+                    <p:sldTgt/>
+                  </p:tgtEl>
+                </p:cond>
+              </p:prevCondLst>
+              <p:nextCondLst>
+                <p:cond delay="0" evt="onNext">
+                  <p:tgtEl>
+                    <p:sldTgt/>
+                  </p:tgtEl>
+                </p:cond>
+              </p:nextCondLst>
+            </p:seq>
+          </p:childTnLst>
+        </p:cTn>
+      </p:par>
+    </p:tnLst>
+  </p:timing>
 </p:sld>
 </file>
 
@@ -3483,4 +5488,227 @@
     </a:fmtScheme>
   </a:themeElements>
 </a:theme>
+</file>
+
+<file path=ppt/theme/theme2.xml><?xml version="1.0" encoding="utf-8"?>
+<a:theme xmlns:a="http://schemas.openxmlformats.org/drawingml/2006/main" name="Office Theme">
+  <a:themeElements>
+    <a:clrScheme name="Office">
+      <a:dk1>
+        <a:sysClr val="windowText" lastClr="000000"/>
+      </a:dk1>
+      <a:lt1>
+        <a:sysClr val="window" lastClr="FFFFFF"/>
+      </a:lt1>
+      <a:dk2>
+        <a:srgbClr val="1f497d"/>
+      </a:dk2>
+      <a:lt2>
+        <a:srgbClr val="eeece1"/>
+      </a:lt2>
+      <a:accent1>
+        <a:srgbClr val="4f81bd"/>
+      </a:accent1>
+      <a:accent2>
+        <a:srgbClr val="c0504d"/>
+      </a:accent2>
+      <a:accent3>
+        <a:srgbClr val="9bbb59"/>
+      </a:accent3>
+      <a:accent4>
+        <a:srgbClr val="8064a2"/>
+      </a:accent4>
+      <a:accent5>
+        <a:srgbClr val="4bacc6"/>
+      </a:accent5>
+      <a:accent6>
+        <a:srgbClr val="f79646"/>
+      </a:accent6>
+      <a:hlink>
+        <a:srgbClr val="0000ff"/>
+      </a:hlink>
+      <a:folHlink>
+        <a:srgbClr val="800080"/>
+      </a:folHlink>
+    </a:clrScheme>
+    <a:fontScheme name="Office">
+      <a:majorFont>
+        <a:latin typeface="Arial"/>
+        <a:ea typeface="DejaVu Sans"/>
+        <a:cs typeface="DejaVu Sans"/>
+      </a:majorFont>
+      <a:minorFont>
+        <a:latin typeface="Arial"/>
+        <a:ea typeface="DejaVu Sans"/>
+        <a:cs typeface="DejaVu Sans"/>
+      </a:minorFont>
+    </a:fontScheme>
+    <a:fmtScheme name="Office">
+      <a:fillStyleLst>
+        <a:solidFill>
+          <a:schemeClr val="phClr"/>
+        </a:solidFill>
+        <a:gradFill rotWithShape="1">
+          <a:gsLst>
+            <a:gs pos="0">
+              <a:schemeClr val="phClr">
+                <a:tint val="50000"/>
+                <a:satMod val="300000"/>
+              </a:schemeClr>
+            </a:gs>
+            <a:gs pos="35000">
+              <a:schemeClr val="phClr">
+                <a:tint val="37000"/>
+                <a:satMod val="300000"/>
+              </a:schemeClr>
+            </a:gs>
+            <a:gs pos="100000">
+              <a:schemeClr val="phClr">
+                <a:tint val="15000"/>
+                <a:satMod val="350000"/>
+              </a:schemeClr>
+            </a:gs>
+          </a:gsLst>
+          <a:lin ang="16200000" scaled="1"/>
+        </a:gradFill>
+        <a:gradFill rotWithShape="1">
+          <a:gsLst>
+            <a:gs pos="0">
+              <a:schemeClr val="phClr">
+                <a:shade val="51000"/>
+                <a:satMod val="130000"/>
+              </a:schemeClr>
+            </a:gs>
+            <a:gs pos="80000">
+              <a:schemeClr val="phClr">
+                <a:shade val="93000"/>
+                <a:satMod val="130000"/>
+              </a:schemeClr>
+            </a:gs>
+            <a:gs pos="100000">
+              <a:schemeClr val="phClr">
+                <a:shade val="94000"/>
+                <a:satMod val="135000"/>
+              </a:schemeClr>
+            </a:gs>
+          </a:gsLst>
+          <a:lin ang="16200000" scaled="0"/>
+        </a:gradFill>
+      </a:fillStyleLst>
+      <a:lnStyleLst>
+        <a:ln w="9525" cap="flat" cmpd="sng" algn="ctr">
+          <a:solidFill>
+            <a:schemeClr val="phClr">
+              <a:shade val="95000"/>
+              <a:satMod val="105000"/>
+            </a:schemeClr>
+          </a:solidFill>
+          <a:prstDash val="solid"/>
+        </a:ln>
+        <a:ln w="25400" cap="flat" cmpd="sng" algn="ctr">
+          <a:solidFill>
+            <a:schemeClr val="phClr"/>
+          </a:solidFill>
+          <a:prstDash val="solid"/>
+        </a:ln>
+        <a:ln w="38100" cap="flat" cmpd="sng" algn="ctr">
+          <a:solidFill>
+            <a:schemeClr val="phClr"/>
+          </a:solidFill>
+          <a:prstDash val="solid"/>
+        </a:ln>
+      </a:lnStyleLst>
+      <a:effectStyleLst>
+        <a:effectStyle>
+          <a:effectLst>
+            <a:outerShdw blurRad="40000" dist="20000" dir="5400000" rotWithShape="0">
+              <a:srgbClr val="000000">
+                <a:alpha val="38000"/>
+              </a:srgbClr>
+            </a:outerShdw>
+          </a:effectLst>
+        </a:effectStyle>
+        <a:effectStyle>
+          <a:effectLst>
+            <a:outerShdw blurRad="40000" dist="23000" dir="5400000" rotWithShape="0">
+              <a:srgbClr val="000000">
+                <a:alpha val="35000"/>
+              </a:srgbClr>
+            </a:outerShdw>
+          </a:effectLst>
+        </a:effectStyle>
+        <a:effectStyle>
+          <a:effectLst>
+            <a:outerShdw blurRad="40000" dist="23000" dir="5400000" rotWithShape="0">
+              <a:srgbClr val="000000">
+                <a:alpha val="35000"/>
+              </a:srgbClr>
+            </a:outerShdw>
+          </a:effectLst>
+          <a:scene3d>
+            <a:camera prst="orthographicFront">
+              <a:rot lat="0" lon="0" rev="0"/>
+            </a:camera>
+            <a:lightRig rig="threePt" dir="t">
+              <a:rot lat="0" lon="0" rev="1200000"/>
+            </a:lightRig>
+          </a:scene3d>
+          <a:sp3d>
+            <a:bevelT w="63500" h="25400"/>
+          </a:sp3d>
+        </a:effectStyle>
+      </a:effectStyleLst>
+      <a:bgFillStyleLst>
+        <a:solidFill>
+          <a:schemeClr val="phClr"/>
+        </a:solidFill>
+        <a:gradFill rotWithShape="1">
+          <a:gsLst>
+            <a:gs pos="0">
+              <a:schemeClr val="phClr">
+                <a:tint val="40000"/>
+                <a:satMod val="350000"/>
+              </a:schemeClr>
+            </a:gs>
+            <a:gs pos="40000">
+              <a:schemeClr val="phClr">
+                <a:tint val="45000"/>
+                <a:shade val="99000"/>
+                <a:satMod val="350000"/>
+              </a:schemeClr>
+            </a:gs>
+            <a:gs pos="100000">
+              <a:schemeClr val="phClr">
+                <a:shade val="20000"/>
+                <a:satMod val="255000"/>
+              </a:schemeClr>
+            </a:gs>
+          </a:gsLst>
+          <a:path path="circle">
+            <a:fillToRect l="50000" t="-80000" r="50000" b="180000"/>
+          </a:path>
+        </a:gradFill>
+        <a:gradFill rotWithShape="1">
+          <a:gsLst>
+            <a:gs pos="0">
+              <a:schemeClr val="phClr">
+                <a:tint val="80000"/>
+                <a:satMod val="300000"/>
+              </a:schemeClr>
+            </a:gs>
+            <a:gs pos="100000">
+              <a:schemeClr val="phClr">
+                <a:shade val="30000"/>
+                <a:satMod val="200000"/>
+              </a:schemeClr>
+            </a:gs>
+          </a:gsLst>
+          <a:path path="circle">
+            <a:fillToRect l="50000" t="50000" r="50000" b="50000"/>
+          </a:path>
+        </a:gradFill>
+      </a:bgFillStyleLst>
+    </a:fmtScheme>
+  </a:themeElements>
+</a:theme>
 </file>